--- a/Presentations/2024_11_21_COFOR_CGE_vEtu.pptx
+++ b/Presentations/2024_11_21_COFOR_CGE_vEtu.pptx
@@ -6,22 +6,23 @@
     <p:sldMasterId id="2147483664" r:id="rId2"/>
   </p:sldMasterIdLst>
   <p:notesMasterIdLst>
-    <p:notesMasterId r:id="rId13"/>
+    <p:notesMasterId r:id="rId14"/>
   </p:notesMasterIdLst>
   <p:handoutMasterIdLst>
-    <p:handoutMasterId r:id="rId14"/>
+    <p:handoutMasterId r:id="rId15"/>
   </p:handoutMasterIdLst>
   <p:sldIdLst>
-    <p:sldId id="314" r:id="rId3"/>
-    <p:sldId id="315" r:id="rId4"/>
-    <p:sldId id="313" r:id="rId5"/>
-    <p:sldId id="316" r:id="rId6"/>
-    <p:sldId id="318" r:id="rId7"/>
-    <p:sldId id="319" r:id="rId8"/>
-    <p:sldId id="320" r:id="rId9"/>
-    <p:sldId id="321" r:id="rId10"/>
-    <p:sldId id="322" r:id="rId11"/>
-    <p:sldId id="323" r:id="rId12"/>
+    <p:sldId id="324" r:id="rId3"/>
+    <p:sldId id="314" r:id="rId4"/>
+    <p:sldId id="315" r:id="rId5"/>
+    <p:sldId id="313" r:id="rId6"/>
+    <p:sldId id="316" r:id="rId7"/>
+    <p:sldId id="318" r:id="rId8"/>
+    <p:sldId id="319" r:id="rId9"/>
+    <p:sldId id="320" r:id="rId10"/>
+    <p:sldId id="321" r:id="rId11"/>
+    <p:sldId id="322" r:id="rId12"/>
+    <p:sldId id="323" r:id="rId13"/>
   </p:sldIdLst>
   <p:sldSz cx="12192000" cy="6858000"/>
   <p:notesSz cx="6797675" cy="9928225"/>
@@ -155,6 +156,7 @@
       <p14:sectionLst xmlns:p14="http://schemas.microsoft.com/office/powerpoint/2010/main">
         <p14:section name="Section par défaut" id="{6A6AAF0A-6CDB-6A4B-A404-BE18D9B0BA16}">
           <p14:sldIdLst>
+            <p14:sldId id="324"/>
             <p14:sldId id="314"/>
             <p14:sldId id="315"/>
             <p14:sldId id="313"/>
@@ -485,7 +487,7 @@
             <a:fld id="{9202EF97-A5BF-E644-B5D7-99A720C3808E}" type="datetimeFigureOut">
               <a:rPr lang="fr-FR"/>
               <a:pPr/>
-              <a:t>18/11/2024</a:t>
+              <a:t>08/02/2025</a:t>
             </a:fld>
             <a:endParaRPr lang="fr-FR"/>
           </a:p>
@@ -5643,7 +5645,13 @@
   <p:cSld>
     <p:spTree>
       <p:nvGrpSpPr>
-        <p:cNvPr id="1" name=""/>
+        <p:cNvPr id="1" name="">
+          <a:extLst>
+            <a:ext uri="{FF2B5EF4-FFF2-40B4-BE49-F238E27FC236}">
+              <a16:creationId xmlns:a16="http://schemas.microsoft.com/office/drawing/2014/main" id="{28E36DBC-C081-0A11-C75B-7283CC450750}"/>
+            </a:ext>
+          </a:extLst>
+        </p:cNvPr>
         <p:cNvGrpSpPr/>
         <p:nvPr/>
       </p:nvGrpSpPr>
@@ -5660,7 +5668,7 @@
           <p:cNvPr id="2" name="Titre 1">
             <a:extLst>
               <a:ext uri="{FF2B5EF4-FFF2-40B4-BE49-F238E27FC236}">
-                <a16:creationId xmlns:a16="http://schemas.microsoft.com/office/drawing/2014/main" id="{EB5ADAD9-507B-94BA-E29A-43B51FDD6138}"/>
+                <a16:creationId xmlns:a16="http://schemas.microsoft.com/office/drawing/2014/main" id="{79026DD2-1B1B-842A-99BA-71AD8312C351}"/>
               </a:ext>
             </a:extLst>
           </p:cNvPr>
@@ -5668,7 +5676,7 @@
             <a:spLocks noGrp="1"/>
           </p:cNvSpPr>
           <p:nvPr>
-            <p:ph type="ctrTitle"/>
+            <p:ph type="title"/>
           </p:nvPr>
         </p:nvSpPr>
         <p:spPr/>
@@ -5676,132 +5684,57 @@
           <a:bodyPr/>
           <a:lstStyle/>
           <a:p>
-            <a:pPr algn="ctr"/>
             <a:r>
               <a:rPr lang="fr-FR" dirty="0"/>
-              <a:t>Insertion Professionnelle après </a:t>
-            </a:r>
-            <a:r>
-              <a:rPr lang="fr-FR" dirty="0" err="1"/>
-              <a:t>SupOptique</a:t>
-            </a:r>
-            <a:endParaRPr lang="fr-FR" dirty="0"/>
-          </a:p>
-        </p:txBody>
-      </p:sp>
-      <p:sp>
-        <p:nvSpPr>
-          <p:cNvPr id="3" name="Sous-titre 2">
-            <a:extLst>
-              <a:ext uri="{FF2B5EF4-FFF2-40B4-BE49-F238E27FC236}">
-                <a16:creationId xmlns:a16="http://schemas.microsoft.com/office/drawing/2014/main" id="{52A2FD8B-8D39-6F45-DA6B-D41E721F906A}"/>
-              </a:ext>
-            </a:extLst>
-          </p:cNvPr>
-          <p:cNvSpPr>
-            <a:spLocks noGrp="1"/>
-          </p:cNvSpPr>
-          <p:nvPr>
-            <p:ph type="subTitle" idx="1"/>
-          </p:nvPr>
-        </p:nvSpPr>
-        <p:spPr/>
-        <p:txBody>
-          <a:bodyPr/>
-          <a:lstStyle/>
-          <a:p>
-            <a:r>
-              <a:rPr lang="fr-FR" dirty="0"/>
-              <a:t>Résultats de l’enquête 2024</a:t>
-            </a:r>
-          </a:p>
-        </p:txBody>
-      </p:sp>
-      <p:sp>
-        <p:nvSpPr>
-          <p:cNvPr id="4" name="Espace réservé du numéro de diapositive 3">
-            <a:extLst>
-              <a:ext uri="{FF2B5EF4-FFF2-40B4-BE49-F238E27FC236}">
-                <a16:creationId xmlns:a16="http://schemas.microsoft.com/office/drawing/2014/main" id="{E7B95965-21A8-CD84-CA86-72DBE1631D2D}"/>
-              </a:ext>
-            </a:extLst>
-          </p:cNvPr>
-          <p:cNvSpPr>
-            <a:spLocks noGrp="1"/>
-          </p:cNvSpPr>
-          <p:nvPr>
-            <p:ph type="sldNum" sz="quarter" idx="4294967295"/>
-          </p:nvPr>
-        </p:nvSpPr>
-        <p:spPr>
-          <a:xfrm>
-            <a:off x="11136560" y="6381328"/>
-            <a:ext cx="720080" cy="288032"/>
-          </a:xfrm>
-          <a:prstGeom prst="rect">
-            <a:avLst/>
-          </a:prstGeom>
-        </p:spPr>
-        <p:txBody>
-          <a:bodyPr/>
-          <a:lstStyle/>
-          <a:p>
-            <a:fld id="{883C3D88-8D27-E04A-93A4-C5B7506FCE43}" type="slidenum">
-              <a:rPr lang="fr-FR" smtClean="0"/>
-              <a:pPr/>
-              <a:t>1</a:t>
-            </a:fld>
-            <a:endParaRPr lang="fr-FR"/>
-          </a:p>
-        </p:txBody>
-      </p:sp>
-      <p:sp>
-        <p:nvSpPr>
-          <p:cNvPr id="5" name="Titre 1">
-            <a:extLst>
-              <a:ext uri="{FF2B5EF4-FFF2-40B4-BE49-F238E27FC236}">
-                <a16:creationId xmlns:a16="http://schemas.microsoft.com/office/drawing/2014/main" id="{8893150F-8C8B-657A-CAD2-BE5BC865438D}"/>
-              </a:ext>
-            </a:extLst>
-          </p:cNvPr>
-          <p:cNvSpPr txBox="1">
-            <a:spLocks/>
-          </p:cNvSpPr>
+              <a:t>Enquête CGE / Votre participation</a:t>
+            </a:r>
+          </a:p>
+        </p:txBody>
+      </p:sp>
+      <p:sp>
+        <p:nvSpPr>
+          <p:cNvPr id="3" name="Rectangle : coins arrondis 2">
+            <a:extLst>
+              <a:ext uri="{FF2B5EF4-FFF2-40B4-BE49-F238E27FC236}">
+                <a16:creationId xmlns:a16="http://schemas.microsoft.com/office/drawing/2014/main" id="{21A85E3A-4842-3FE5-C358-5FCCF464893E}"/>
+              </a:ext>
+            </a:extLst>
+          </p:cNvPr>
+          <p:cNvSpPr/>
           <p:nvPr/>
         </p:nvSpPr>
         <p:spPr bwMode="auto">
           <a:xfrm>
-            <a:off x="0" y="5924534"/>
-            <a:ext cx="12192000" cy="431800"/>
-          </a:xfrm>
-          <a:prstGeom prst="rect">
-            <a:avLst/>
-          </a:prstGeom>
-          <a:noFill/>
-          <a:ln>
-            <a:noFill/>
+            <a:off x="936952" y="1515078"/>
+            <a:ext cx="1849374" cy="2260231"/>
+          </a:xfrm>
+          <a:prstGeom prst="roundRect">
+            <a:avLst>
+              <a:gd name="adj" fmla="val 6735"/>
+            </a:avLst>
+          </a:prstGeom>
+          <a:solidFill>
+            <a:schemeClr val="bg1"/>
+          </a:solidFill>
+          <a:ln w="12700" cap="flat" cmpd="sng" algn="ctr">
+            <a:solidFill>
+              <a:srgbClr val="0A3250"/>
+            </a:solidFill>
+            <a:prstDash val="solid"/>
+            <a:round/>
+            <a:headEnd type="none" w="med" len="med"/>
+            <a:tailEnd type="none" w="med" len="med"/>
           </a:ln>
-          <a:effectLst/>
+          <a:effectLst>
+            <a:outerShdw blurRad="50800" dist="38100" dir="2700000" algn="tl" rotWithShape="0">
+              <a:prstClr val="black">
+                <a:alpha val="40000"/>
+              </a:prstClr>
+            </a:outerShdw>
+          </a:effectLst>
           <a:extLst>
-            <a:ext uri="{909E8E84-426E-40DD-AFC4-6F175D3DCCD1}">
-              <a14:hiddenFill xmlns:a14="http://schemas.microsoft.com/office/drawing/2010/main">
-                <a:solidFill>
-                  <a:schemeClr val="accent1"/>
-                </a:solidFill>
-              </a14:hiddenFill>
-            </a:ext>
-            <a:ext uri="{91240B29-F687-4F45-9708-019B960494DF}">
-              <a14:hiddenLine xmlns:a14="http://schemas.microsoft.com/office/drawing/2010/main" w="9525">
-                <a:solidFill>
-                  <a:schemeClr val="tx1"/>
-                </a:solidFill>
-                <a:miter lim="800000"/>
-                <a:headEnd/>
-                <a:tailEnd/>
-              </a14:hiddenLine>
-            </a:ext>
-            <a:ext uri="{AF507438-7753-43E0-B8FC-AC1667EBCBE1}">
-              <a14:hiddenEffects xmlns:a14="http://schemas.microsoft.com/office/drawing/2010/main">
+            <a:ext uri="{AF507438-7753-43e0-B8FC-AC1667EBCBE1}">
+              <a14:hiddenEffects xmlns:a14="http://schemas.microsoft.com/office/drawing/2010/main" xmlns="">
                 <a:effectLst>
                   <a:outerShdw dist="35921" dir="2700000" algn="ctr" rotWithShape="0">
                     <a:schemeClr val="bg2"/>
@@ -5812,246 +5745,1149 @@
           </a:extLst>
         </p:spPr>
         <p:txBody>
-          <a:bodyPr anchor="ctr"/>
-          <a:lstStyle>
-            <a:lvl1pPr algn="l" rtl="0" eaLnBrk="0" fontAlgn="base" hangingPunct="0">
+          <a:bodyPr vert="horz" wrap="square" lIns="91440" tIns="45720" rIns="91440" bIns="45720" numCol="1" rtlCol="0" anchor="t" anchorCtr="0" compatLnSpc="1">
+            <a:prstTxWarp prst="textNoShape">
+              <a:avLst/>
+            </a:prstTxWarp>
+          </a:bodyPr>
+          <a:lstStyle/>
+          <a:p>
+            <a:pPr marL="0" marR="0" indent="0" algn="l" defTabSz="914400" rtl="0" eaLnBrk="0" fontAlgn="base" latinLnBrk="0" hangingPunct="0">
+              <a:lnSpc>
+                <a:spcPct val="100000"/>
+              </a:lnSpc>
               <a:spcBef>
                 <a:spcPct val="0"/>
               </a:spcBef>
               <a:spcAft>
                 <a:spcPct val="0"/>
               </a:spcAft>
-              <a:defRPr sz="3600" b="1">
-                <a:solidFill>
-                  <a:srgbClr val="0A3250"/>
-                </a:solidFill>
+              <a:buClrTx/>
+              <a:buSzTx/>
+              <a:buFontTx/>
+              <a:buNone/>
+              <a:tabLst/>
+            </a:pPr>
+            <a:endParaRPr kumimoji="0" lang="fr-FR" sz="1600" b="0" i="0" u="none" strike="noStrike" cap="none" normalizeH="0" baseline="0">
+              <a:ln w="57150">
+                <a:solidFill>
+                  <a:srgbClr val="7030A0"/>
+                </a:solidFill>
+              </a:ln>
+              <a:solidFill>
+                <a:schemeClr val="tx1"/>
+              </a:solidFill>
+              <a:effectLst/>
+              <a:latin typeface="Arial" charset="0"/>
+              <a:ea typeface="ＭＳ Ｐゴシック" pitchFamily="1" charset="-128"/>
+            </a:endParaRPr>
+          </a:p>
+        </p:txBody>
+      </p:sp>
+      <p:sp>
+        <p:nvSpPr>
+          <p:cNvPr id="4" name="Rectangle : coins arrondis 3">
+            <a:extLst>
+              <a:ext uri="{FF2B5EF4-FFF2-40B4-BE49-F238E27FC236}">
+                <a16:creationId xmlns:a16="http://schemas.microsoft.com/office/drawing/2014/main" id="{71A9D571-5AD1-BDD3-12FC-1C3B87BFE4C2}"/>
+              </a:ext>
+            </a:extLst>
+          </p:cNvPr>
+          <p:cNvSpPr/>
+          <p:nvPr/>
+        </p:nvSpPr>
+        <p:spPr bwMode="auto">
+          <a:xfrm>
+            <a:off x="8739809" y="1483135"/>
+            <a:ext cx="1849374" cy="2282990"/>
+          </a:xfrm>
+          <a:prstGeom prst="roundRect">
+            <a:avLst>
+              <a:gd name="adj" fmla="val 6735"/>
+            </a:avLst>
+          </a:prstGeom>
+          <a:solidFill>
+            <a:schemeClr val="bg1"/>
+          </a:solidFill>
+          <a:ln w="12700" cap="flat" cmpd="sng" algn="ctr">
+            <a:solidFill>
+              <a:srgbClr val="00B0F0"/>
+            </a:solidFill>
+            <a:prstDash val="solid"/>
+            <a:round/>
+            <a:headEnd type="none" w="med" len="med"/>
+            <a:tailEnd type="none" w="med" len="med"/>
+          </a:ln>
+          <a:effectLst>
+            <a:outerShdw blurRad="50800" dist="38100" dir="2700000" algn="tl" rotWithShape="0">
+              <a:prstClr val="black">
+                <a:alpha val="40000"/>
+              </a:prstClr>
+            </a:outerShdw>
+          </a:effectLst>
+          <a:extLst>
+            <a:ext uri="{AF507438-7753-43e0-B8FC-AC1667EBCBE1}">
+              <a14:hiddenEffects xmlns:a14="http://schemas.microsoft.com/office/drawing/2010/main" xmlns="">
                 <a:effectLst>
-                  <a:outerShdw blurRad="38100" dist="38100" dir="2700000" algn="tl">
-                    <a:srgbClr val="C0C0C0"/>
+                  <a:outerShdw dist="35921" dir="2700000" algn="ctr" rotWithShape="0">
+                    <a:schemeClr val="bg2"/>
                   </a:outerShdw>
                 </a:effectLst>
-                <a:latin typeface="+mj-lt"/>
-                <a:ea typeface="ＭＳ Ｐゴシック" charset="0"/>
-                <a:cs typeface="ＭＳ Ｐゴシック" charset="0"/>
-              </a:defRPr>
-            </a:lvl1pPr>
-            <a:lvl2pPr algn="l" rtl="0" eaLnBrk="0" fontAlgn="base" hangingPunct="0">
+              </a14:hiddenEffects>
+            </a:ext>
+          </a:extLst>
+        </p:spPr>
+        <p:txBody>
+          <a:bodyPr vert="horz" wrap="square" lIns="91440" tIns="45720" rIns="91440" bIns="45720" numCol="1" rtlCol="0" anchor="t" anchorCtr="0" compatLnSpc="1">
+            <a:prstTxWarp prst="textNoShape">
+              <a:avLst/>
+            </a:prstTxWarp>
+          </a:bodyPr>
+          <a:lstStyle/>
+          <a:p>
+            <a:pPr marL="0" marR="0" indent="0" algn="l" defTabSz="914400" rtl="0" eaLnBrk="0" fontAlgn="base" latinLnBrk="0" hangingPunct="0">
+              <a:lnSpc>
+                <a:spcPct val="100000"/>
+              </a:lnSpc>
               <a:spcBef>
                 <a:spcPct val="0"/>
               </a:spcBef>
               <a:spcAft>
                 <a:spcPct val="0"/>
               </a:spcAft>
-              <a:defRPr sz="3600" b="1">
-                <a:solidFill>
-                  <a:srgbClr val="0A3250"/>
-                </a:solidFill>
+              <a:buClrTx/>
+              <a:buSzTx/>
+              <a:buFontTx/>
+              <a:buNone/>
+              <a:tabLst/>
+            </a:pPr>
+            <a:endParaRPr kumimoji="0" lang="fr-FR" sz="1600" b="0" i="0" u="none" strike="noStrike" cap="none" normalizeH="0" baseline="0">
+              <a:ln w="57150">
+                <a:solidFill>
+                  <a:srgbClr val="7030A0"/>
+                </a:solidFill>
+              </a:ln>
+              <a:solidFill>
+                <a:schemeClr val="tx1"/>
+              </a:solidFill>
+              <a:effectLst/>
+              <a:latin typeface="Arial" charset="0"/>
+              <a:ea typeface="ＭＳ Ｐゴシック" pitchFamily="1" charset="-128"/>
+            </a:endParaRPr>
+          </a:p>
+        </p:txBody>
+      </p:sp>
+      <p:sp>
+        <p:nvSpPr>
+          <p:cNvPr id="5" name="Rectangle : coins arrondis 4">
+            <a:extLst>
+              <a:ext uri="{FF2B5EF4-FFF2-40B4-BE49-F238E27FC236}">
+                <a16:creationId xmlns:a16="http://schemas.microsoft.com/office/drawing/2014/main" id="{4D831EC2-EC9B-64F5-BF7C-BE2480D7B89F}"/>
+              </a:ext>
+            </a:extLst>
+          </p:cNvPr>
+          <p:cNvSpPr/>
+          <p:nvPr/>
+        </p:nvSpPr>
+        <p:spPr bwMode="auto">
+          <a:xfrm>
+            <a:off x="6095487" y="1488599"/>
+            <a:ext cx="1849374" cy="2278544"/>
+          </a:xfrm>
+          <a:prstGeom prst="roundRect">
+            <a:avLst>
+              <a:gd name="adj" fmla="val 6735"/>
+            </a:avLst>
+          </a:prstGeom>
+          <a:noFill/>
+          <a:ln w="12700" cap="flat" cmpd="sng" algn="ctr">
+            <a:solidFill>
+              <a:srgbClr val="0070C0"/>
+            </a:solidFill>
+            <a:prstDash val="solid"/>
+            <a:round/>
+            <a:headEnd type="none" w="med" len="med"/>
+            <a:tailEnd type="none" w="med" len="med"/>
+          </a:ln>
+          <a:effectLst>
+            <a:outerShdw blurRad="50800" dist="38100" dir="2700000" algn="tl" rotWithShape="0">
+              <a:prstClr val="black">
+                <a:alpha val="40000"/>
+              </a:prstClr>
+            </a:outerShdw>
+          </a:effectLst>
+          <a:extLst>
+            <a:ext uri="{AF507438-7753-43e0-B8FC-AC1667EBCBE1}">
+              <a14:hiddenEffects xmlns:a14="http://schemas.microsoft.com/office/drawing/2010/main" xmlns="">
                 <a:effectLst>
-                  <a:outerShdw blurRad="38100" dist="38100" dir="2700000" algn="tl">
-                    <a:srgbClr val="C0C0C0"/>
+                  <a:outerShdw dist="35921" dir="2700000" algn="ctr" rotWithShape="0">
+                    <a:schemeClr val="bg2"/>
                   </a:outerShdw>
                 </a:effectLst>
-                <a:latin typeface="Century Gothic" pitchFamily="34" charset="0"/>
-                <a:ea typeface="ＭＳ Ｐゴシック" charset="0"/>
-                <a:cs typeface="ＭＳ Ｐゴシック" charset="0"/>
-              </a:defRPr>
-            </a:lvl2pPr>
-            <a:lvl3pPr algn="l" rtl="0" eaLnBrk="0" fontAlgn="base" hangingPunct="0">
+              </a14:hiddenEffects>
+            </a:ext>
+          </a:extLst>
+        </p:spPr>
+        <p:txBody>
+          <a:bodyPr vert="horz" wrap="square" lIns="91440" tIns="45720" rIns="91440" bIns="45720" numCol="1" rtlCol="0" anchor="t" anchorCtr="0" compatLnSpc="1">
+            <a:prstTxWarp prst="textNoShape">
+              <a:avLst/>
+            </a:prstTxWarp>
+          </a:bodyPr>
+          <a:lstStyle/>
+          <a:p>
+            <a:pPr marL="0" marR="0" indent="0" algn="l" defTabSz="914400" rtl="0" eaLnBrk="0" fontAlgn="base" latinLnBrk="0" hangingPunct="0">
+              <a:lnSpc>
+                <a:spcPct val="100000"/>
+              </a:lnSpc>
               <a:spcBef>
                 <a:spcPct val="0"/>
               </a:spcBef>
               <a:spcAft>
                 <a:spcPct val="0"/>
               </a:spcAft>
-              <a:defRPr sz="3600" b="1">
-                <a:solidFill>
-                  <a:srgbClr val="0A3250"/>
-                </a:solidFill>
+              <a:buClrTx/>
+              <a:buSzTx/>
+              <a:buFontTx/>
+              <a:buNone/>
+              <a:tabLst/>
+            </a:pPr>
+            <a:endParaRPr kumimoji="0" lang="fr-FR" sz="1600" b="0" i="0" u="none" strike="noStrike" cap="none" normalizeH="0" baseline="0">
+              <a:ln w="57150">
+                <a:solidFill>
+                  <a:srgbClr val="7030A0"/>
+                </a:solidFill>
+              </a:ln>
+              <a:solidFill>
+                <a:schemeClr val="tx1"/>
+              </a:solidFill>
+              <a:effectLst/>
+              <a:latin typeface="Arial" charset="0"/>
+              <a:ea typeface="ＭＳ Ｐゴシック" pitchFamily="1" charset="-128"/>
+            </a:endParaRPr>
+          </a:p>
+        </p:txBody>
+      </p:sp>
+      <p:sp>
+        <p:nvSpPr>
+          <p:cNvPr id="6" name="Rectangle : coins arrondis 5">
+            <a:extLst>
+              <a:ext uri="{FF2B5EF4-FFF2-40B4-BE49-F238E27FC236}">
+                <a16:creationId xmlns:a16="http://schemas.microsoft.com/office/drawing/2014/main" id="{79C5AB68-BED5-9625-3215-C5A2F56B0FC5}"/>
+              </a:ext>
+            </a:extLst>
+          </p:cNvPr>
+          <p:cNvSpPr/>
+          <p:nvPr/>
+        </p:nvSpPr>
+        <p:spPr bwMode="auto">
+          <a:xfrm>
+            <a:off x="3516219" y="1499747"/>
+            <a:ext cx="1849374" cy="2275562"/>
+          </a:xfrm>
+          <a:prstGeom prst="roundRect">
+            <a:avLst>
+              <a:gd name="adj" fmla="val 6735"/>
+            </a:avLst>
+          </a:prstGeom>
+          <a:solidFill>
+            <a:schemeClr val="bg1"/>
+          </a:solidFill>
+          <a:ln w="12700" cap="flat" cmpd="sng" algn="ctr">
+            <a:solidFill>
+              <a:srgbClr val="7030A0"/>
+            </a:solidFill>
+            <a:prstDash val="solid"/>
+            <a:round/>
+            <a:headEnd type="none" w="med" len="med"/>
+            <a:tailEnd type="none" w="med" len="med"/>
+          </a:ln>
+          <a:effectLst>
+            <a:outerShdw blurRad="50800" dist="38100" dir="2700000" algn="tl" rotWithShape="0">
+              <a:prstClr val="black">
+                <a:alpha val="40000"/>
+              </a:prstClr>
+            </a:outerShdw>
+          </a:effectLst>
+          <a:extLst>
+            <a:ext uri="{AF507438-7753-43e0-B8FC-AC1667EBCBE1}">
+              <a14:hiddenEffects xmlns:a14="http://schemas.microsoft.com/office/drawing/2010/main" xmlns="">
                 <a:effectLst>
-                  <a:outerShdw blurRad="38100" dist="38100" dir="2700000" algn="tl">
-                    <a:srgbClr val="C0C0C0"/>
+                  <a:outerShdw dist="35921" dir="2700000" algn="ctr" rotWithShape="0">
+                    <a:schemeClr val="bg2"/>
                   </a:outerShdw>
                 </a:effectLst>
-                <a:latin typeface="Century Gothic" pitchFamily="34" charset="0"/>
-                <a:ea typeface="ＭＳ Ｐゴシック" charset="0"/>
-                <a:cs typeface="ＭＳ Ｐゴシック" charset="0"/>
-              </a:defRPr>
-            </a:lvl3pPr>
-            <a:lvl4pPr algn="l" rtl="0" eaLnBrk="0" fontAlgn="base" hangingPunct="0">
+              </a14:hiddenEffects>
+            </a:ext>
+          </a:extLst>
+        </p:spPr>
+        <p:txBody>
+          <a:bodyPr vert="horz" wrap="square" lIns="91440" tIns="45720" rIns="91440" bIns="45720" numCol="1" rtlCol="0" anchor="t" anchorCtr="0" compatLnSpc="1">
+            <a:prstTxWarp prst="textNoShape">
+              <a:avLst/>
+            </a:prstTxWarp>
+          </a:bodyPr>
+          <a:lstStyle/>
+          <a:p>
+            <a:pPr marL="0" marR="0" indent="0" algn="l" defTabSz="914400" rtl="0" eaLnBrk="0" fontAlgn="base" latinLnBrk="0" hangingPunct="0">
+              <a:lnSpc>
+                <a:spcPct val="100000"/>
+              </a:lnSpc>
               <a:spcBef>
                 <a:spcPct val="0"/>
               </a:spcBef>
               <a:spcAft>
                 <a:spcPct val="0"/>
               </a:spcAft>
-              <a:defRPr sz="3600" b="1">
-                <a:solidFill>
-                  <a:srgbClr val="0A3250"/>
-                </a:solidFill>
+              <a:buClrTx/>
+              <a:buSzTx/>
+              <a:buFontTx/>
+              <a:buNone/>
+              <a:tabLst/>
+            </a:pPr>
+            <a:endParaRPr kumimoji="0" lang="fr-FR" sz="1600" b="0" i="0" u="none" strike="noStrike" cap="none" normalizeH="0" baseline="0">
+              <a:ln w="57150">
+                <a:solidFill>
+                  <a:srgbClr val="7030A0"/>
+                </a:solidFill>
+              </a:ln>
+              <a:solidFill>
+                <a:schemeClr val="tx1"/>
+              </a:solidFill>
+              <a:effectLst/>
+              <a:latin typeface="Arial" charset="0"/>
+              <a:ea typeface="ＭＳ Ｐゴシック" pitchFamily="1" charset="-128"/>
+            </a:endParaRPr>
+          </a:p>
+        </p:txBody>
+      </p:sp>
+      <p:sp>
+        <p:nvSpPr>
+          <p:cNvPr id="8" name="Rectangle 7">
+            <a:extLst>
+              <a:ext uri="{FF2B5EF4-FFF2-40B4-BE49-F238E27FC236}">
+                <a16:creationId xmlns:a16="http://schemas.microsoft.com/office/drawing/2014/main" id="{8389DA4F-5865-9591-3B8F-457423FB31FC}"/>
+              </a:ext>
+            </a:extLst>
+          </p:cNvPr>
+          <p:cNvSpPr/>
+          <p:nvPr/>
+        </p:nvSpPr>
+        <p:spPr bwMode="auto">
+          <a:xfrm>
+            <a:off x="9181347" y="5082684"/>
+            <a:ext cx="1370470" cy="891848"/>
+          </a:xfrm>
+          <a:prstGeom prst="rect">
+            <a:avLst/>
+          </a:prstGeom>
+          <a:solidFill>
+            <a:schemeClr val="bg1"/>
+          </a:solidFill>
+          <a:ln w="9525" cap="flat" cmpd="sng" algn="ctr">
+            <a:noFill/>
+            <a:prstDash val="solid"/>
+            <a:round/>
+            <a:headEnd type="none" w="med" len="med"/>
+            <a:tailEnd type="none" w="med" len="med"/>
+          </a:ln>
+          <a:effectLst/>
+          <a:extLst>
+            <a:ext uri="{AF507438-7753-43e0-B8FC-AC1667EBCBE1}">
+              <a14:hiddenEffects xmlns:a14="http://schemas.microsoft.com/office/drawing/2010/main" xmlns="">
                 <a:effectLst>
-                  <a:outerShdw blurRad="38100" dist="38100" dir="2700000" algn="tl">
-                    <a:srgbClr val="C0C0C0"/>
+                  <a:outerShdw dist="35921" dir="2700000" algn="ctr" rotWithShape="0">
+                    <a:schemeClr val="bg2"/>
                   </a:outerShdw>
                 </a:effectLst>
-                <a:latin typeface="Century Gothic" pitchFamily="34" charset="0"/>
-                <a:ea typeface="ＭＳ Ｐゴシック" charset="0"/>
-                <a:cs typeface="ＭＳ Ｐゴシック" charset="0"/>
-              </a:defRPr>
-            </a:lvl4pPr>
-            <a:lvl5pPr algn="l" rtl="0" eaLnBrk="0" fontAlgn="base" hangingPunct="0">
+              </a14:hiddenEffects>
+            </a:ext>
+          </a:extLst>
+        </p:spPr>
+        <p:txBody>
+          <a:bodyPr vert="horz" wrap="square" lIns="91440" tIns="45720" rIns="91440" bIns="45720" numCol="1" rtlCol="0" anchor="t" anchorCtr="0" compatLnSpc="1">
+            <a:prstTxWarp prst="textNoShape">
+              <a:avLst/>
+            </a:prstTxWarp>
+          </a:bodyPr>
+          <a:lstStyle/>
+          <a:p>
+            <a:pPr marL="0" marR="0" indent="0" algn="l" defTabSz="914400" rtl="0" eaLnBrk="0" fontAlgn="base" latinLnBrk="0" hangingPunct="0">
+              <a:lnSpc>
+                <a:spcPct val="100000"/>
+              </a:lnSpc>
               <a:spcBef>
                 <a:spcPct val="0"/>
               </a:spcBef>
               <a:spcAft>
                 <a:spcPct val="0"/>
               </a:spcAft>
-              <a:defRPr sz="3600" b="1">
-                <a:solidFill>
-                  <a:srgbClr val="0A3250"/>
-                </a:solidFill>
+              <a:buClrTx/>
+              <a:buSzTx/>
+              <a:buFontTx/>
+              <a:buNone/>
+              <a:tabLst/>
+            </a:pPr>
+            <a:endParaRPr kumimoji="0" lang="fr-FR" sz="1600" b="0" i="0" u="none" strike="noStrike" cap="none" normalizeH="0" baseline="0">
+              <a:ln>
+                <a:noFill/>
+              </a:ln>
+              <a:solidFill>
+                <a:schemeClr val="tx1"/>
+              </a:solidFill>
+              <a:effectLst/>
+              <a:latin typeface="Arial" charset="0"/>
+              <a:ea typeface="ＭＳ Ｐゴシック" pitchFamily="1" charset="-128"/>
+            </a:endParaRPr>
+          </a:p>
+        </p:txBody>
+      </p:sp>
+      <p:sp>
+        <p:nvSpPr>
+          <p:cNvPr id="10" name="Flèche : pentagone 9">
+            <a:extLst>
+              <a:ext uri="{FF2B5EF4-FFF2-40B4-BE49-F238E27FC236}">
+                <a16:creationId xmlns:a16="http://schemas.microsoft.com/office/drawing/2014/main" id="{D1BFEC11-4C3E-6816-822C-8F27171E3DC0}"/>
+              </a:ext>
+            </a:extLst>
+          </p:cNvPr>
+          <p:cNvSpPr/>
+          <p:nvPr/>
+        </p:nvSpPr>
+        <p:spPr bwMode="auto">
+          <a:xfrm>
+            <a:off x="995250" y="2915718"/>
+            <a:ext cx="1728216" cy="255140"/>
+          </a:xfrm>
+          <a:prstGeom prst="homePlate">
+            <a:avLst/>
+          </a:prstGeom>
+          <a:solidFill>
+            <a:srgbClr val="0A3250"/>
+          </a:solidFill>
+          <a:ln w="9525" cap="flat" cmpd="sng" algn="ctr">
+            <a:noFill/>
+            <a:prstDash val="solid"/>
+            <a:round/>
+            <a:headEnd type="none" w="med" len="med"/>
+            <a:tailEnd type="none" w="med" len="med"/>
+          </a:ln>
+          <a:effectLst/>
+          <a:extLst>
+            <a:ext uri="{AF507438-7753-43e0-B8FC-AC1667EBCBE1}">
+              <a14:hiddenEffects xmlns="" xmlns:a14="http://schemas.microsoft.com/office/drawing/2010/main">
                 <a:effectLst>
-                  <a:outerShdw blurRad="38100" dist="38100" dir="2700000" algn="tl">
-                    <a:srgbClr val="C0C0C0"/>
+                  <a:outerShdw dist="35921" dir="2700000" algn="ctr" rotWithShape="0">
+                    <a:schemeClr val="bg2"/>
                   </a:outerShdw>
                 </a:effectLst>
-                <a:latin typeface="Century Gothic" pitchFamily="34" charset="0"/>
-                <a:ea typeface="ＭＳ Ｐゴシック" charset="0"/>
-                <a:cs typeface="ＭＳ Ｐゴシック" charset="0"/>
-              </a:defRPr>
-            </a:lvl5pPr>
-            <a:lvl6pPr marL="457200" algn="l" rtl="0" fontAlgn="base">
+              </a14:hiddenEffects>
+            </a:ext>
+          </a:extLst>
+        </p:spPr>
+        <p:txBody>
+          <a:bodyPr vert="horz" wrap="square" lIns="91440" tIns="45720" rIns="91440" bIns="45720" numCol="1" rtlCol="0" anchor="t" anchorCtr="0" compatLnSpc="1">
+            <a:prstTxWarp prst="textNoShape">
+              <a:avLst/>
+            </a:prstTxWarp>
+          </a:bodyPr>
+          <a:lstStyle/>
+          <a:p>
+            <a:pPr marL="0" marR="0" indent="0" algn="ctr" defTabSz="914400" rtl="0" eaLnBrk="0" fontAlgn="base" latinLnBrk="0" hangingPunct="0">
+              <a:lnSpc>
+                <a:spcPct val="100000"/>
+              </a:lnSpc>
               <a:spcBef>
                 <a:spcPct val="0"/>
               </a:spcBef>
               <a:spcAft>
                 <a:spcPct val="0"/>
               </a:spcAft>
-              <a:defRPr sz="3600" b="1">
-                <a:solidFill>
-                  <a:srgbClr val="0A3250"/>
-                </a:solidFill>
+              <a:buClrTx/>
+              <a:buSzTx/>
+              <a:buFontTx/>
+              <a:buNone/>
+              <a:tabLst/>
+            </a:pPr>
+            <a:r>
+              <a:rPr kumimoji="0" lang="fr-FR" sz="1200" b="1" i="0" u="none" strike="noStrike" cap="none" normalizeH="0" baseline="0" dirty="0">
+                <a:ln>
+                  <a:noFill/>
+                </a:ln>
+                <a:solidFill>
+                  <a:schemeClr val="bg1"/>
+                </a:solidFill>
+                <a:effectLst/>
+                <a:latin typeface="Arial" charset="0"/>
+                <a:ea typeface="ＭＳ Ｐゴシック" pitchFamily="1" charset="-128"/>
+              </a:rPr>
+              <a:t>Q4</a:t>
+            </a:r>
+          </a:p>
+        </p:txBody>
+      </p:sp>
+      <p:sp>
+        <p:nvSpPr>
+          <p:cNvPr id="11" name="Flèche : chevron 10">
+            <a:extLst>
+              <a:ext uri="{FF2B5EF4-FFF2-40B4-BE49-F238E27FC236}">
+                <a16:creationId xmlns:a16="http://schemas.microsoft.com/office/drawing/2014/main" id="{B0055103-6FFF-B3FC-7093-91CC89A5C96D}"/>
+              </a:ext>
+            </a:extLst>
+          </p:cNvPr>
+          <p:cNvSpPr/>
+          <p:nvPr/>
+        </p:nvSpPr>
+        <p:spPr bwMode="auto">
+          <a:xfrm>
+            <a:off x="3572688" y="2907922"/>
+            <a:ext cx="1728216" cy="255140"/>
+          </a:xfrm>
+          <a:prstGeom prst="chevron">
+            <a:avLst/>
+          </a:prstGeom>
+          <a:solidFill>
+            <a:srgbClr val="7030A0"/>
+          </a:solidFill>
+          <a:ln w="9525" cap="flat" cmpd="sng" algn="ctr">
+            <a:noFill/>
+            <a:prstDash val="solid"/>
+            <a:round/>
+            <a:headEnd type="none" w="med" len="med"/>
+            <a:tailEnd type="none" w="med" len="med"/>
+          </a:ln>
+          <a:effectLst/>
+          <a:extLst>
+            <a:ext uri="{AF507438-7753-43e0-B8FC-AC1667EBCBE1}">
+              <a14:hiddenEffects xmlns="" xmlns:a14="http://schemas.microsoft.com/office/drawing/2010/main">
                 <a:effectLst>
-                  <a:outerShdw blurRad="38100" dist="38100" dir="2700000" algn="tl">
-                    <a:srgbClr val="C0C0C0"/>
+                  <a:outerShdw dist="35921" dir="2700000" algn="ctr" rotWithShape="0">
+                    <a:schemeClr val="bg2"/>
                   </a:outerShdw>
                 </a:effectLst>
-                <a:latin typeface="Century Gothic" pitchFamily="34" charset="0"/>
-              </a:defRPr>
-            </a:lvl6pPr>
-            <a:lvl7pPr marL="914400" algn="l" rtl="0" fontAlgn="base">
+              </a14:hiddenEffects>
+            </a:ext>
+          </a:extLst>
+        </p:spPr>
+        <p:txBody>
+          <a:bodyPr vert="horz" wrap="square" lIns="91440" tIns="45720" rIns="91440" bIns="45720" numCol="1" rtlCol="0" anchor="t" anchorCtr="0" compatLnSpc="1">
+            <a:prstTxWarp prst="textNoShape">
+              <a:avLst/>
+            </a:prstTxWarp>
+          </a:bodyPr>
+          <a:lstStyle/>
+          <a:p>
+            <a:pPr marL="0" marR="0" indent="0" algn="ctr" defTabSz="914400" rtl="0" eaLnBrk="0" fontAlgn="base" latinLnBrk="0" hangingPunct="0">
+              <a:lnSpc>
+                <a:spcPct val="100000"/>
+              </a:lnSpc>
               <a:spcBef>
                 <a:spcPct val="0"/>
               </a:spcBef>
               <a:spcAft>
                 <a:spcPct val="0"/>
               </a:spcAft>
-              <a:defRPr sz="3600" b="1">
-                <a:solidFill>
-                  <a:srgbClr val="0A3250"/>
-                </a:solidFill>
+              <a:buClrTx/>
+              <a:buSzTx/>
+              <a:buFontTx/>
+              <a:buNone/>
+              <a:tabLst/>
+            </a:pPr>
+            <a:r>
+              <a:rPr kumimoji="0" lang="fr-FR" sz="1200" b="1" i="0" u="none" strike="noStrike" cap="none" normalizeH="0" baseline="0" dirty="0">
+                <a:ln>
+                  <a:noFill/>
+                </a:ln>
+                <a:solidFill>
+                  <a:schemeClr val="bg1"/>
+                </a:solidFill>
+                <a:effectLst/>
+                <a:latin typeface="Arial" charset="0"/>
+                <a:ea typeface="ＭＳ Ｐゴシック" pitchFamily="1" charset="-128"/>
+              </a:rPr>
+              <a:t>Q1</a:t>
+            </a:r>
+          </a:p>
+        </p:txBody>
+      </p:sp>
+      <p:sp>
+        <p:nvSpPr>
+          <p:cNvPr id="12" name="Flèche : chevron 11">
+            <a:extLst>
+              <a:ext uri="{FF2B5EF4-FFF2-40B4-BE49-F238E27FC236}">
+                <a16:creationId xmlns:a16="http://schemas.microsoft.com/office/drawing/2014/main" id="{3896C13C-21C7-9DF4-6DF1-B64E09E19358}"/>
+              </a:ext>
+            </a:extLst>
+          </p:cNvPr>
+          <p:cNvSpPr/>
+          <p:nvPr/>
+        </p:nvSpPr>
+        <p:spPr bwMode="auto">
+          <a:xfrm>
+            <a:off x="6153708" y="2899756"/>
+            <a:ext cx="1728216" cy="255140"/>
+          </a:xfrm>
+          <a:prstGeom prst="chevron">
+            <a:avLst/>
+          </a:prstGeom>
+          <a:solidFill>
+            <a:srgbClr val="0070C0"/>
+          </a:solidFill>
+          <a:ln w="9525" cap="flat" cmpd="sng" algn="ctr">
+            <a:noFill/>
+            <a:prstDash val="solid"/>
+            <a:round/>
+            <a:headEnd type="none" w="med" len="med"/>
+            <a:tailEnd type="none" w="med" len="med"/>
+          </a:ln>
+          <a:effectLst/>
+          <a:extLst>
+            <a:ext uri="{AF507438-7753-43e0-B8FC-AC1667EBCBE1}">
+              <a14:hiddenEffects xmlns="" xmlns:a14="http://schemas.microsoft.com/office/drawing/2010/main">
                 <a:effectLst>
-                  <a:outerShdw blurRad="38100" dist="38100" dir="2700000" algn="tl">
-                    <a:srgbClr val="C0C0C0"/>
+                  <a:outerShdw dist="35921" dir="2700000" algn="ctr" rotWithShape="0">
+                    <a:schemeClr val="bg2"/>
                   </a:outerShdw>
                 </a:effectLst>
-                <a:latin typeface="Century Gothic" pitchFamily="34" charset="0"/>
-              </a:defRPr>
-            </a:lvl7pPr>
-            <a:lvl8pPr marL="1371600" algn="l" rtl="0" fontAlgn="base">
+              </a14:hiddenEffects>
+            </a:ext>
+          </a:extLst>
+        </p:spPr>
+        <p:txBody>
+          <a:bodyPr vert="horz" wrap="square" lIns="91440" tIns="45720" rIns="91440" bIns="45720" numCol="1" rtlCol="0" anchor="t" anchorCtr="0" compatLnSpc="1">
+            <a:prstTxWarp prst="textNoShape">
+              <a:avLst/>
+            </a:prstTxWarp>
+          </a:bodyPr>
+          <a:lstStyle/>
+          <a:p>
+            <a:pPr marL="0" marR="0" indent="0" algn="ctr" defTabSz="914400" rtl="0" eaLnBrk="0" fontAlgn="base" latinLnBrk="0" hangingPunct="0">
+              <a:lnSpc>
+                <a:spcPct val="100000"/>
+              </a:lnSpc>
               <a:spcBef>
                 <a:spcPct val="0"/>
               </a:spcBef>
               <a:spcAft>
                 <a:spcPct val="0"/>
               </a:spcAft>
-              <a:defRPr sz="3600" b="1">
-                <a:solidFill>
-                  <a:srgbClr val="0A3250"/>
-                </a:solidFill>
+              <a:buClrTx/>
+              <a:buSzTx/>
+              <a:buFontTx/>
+              <a:buNone/>
+              <a:tabLst/>
+            </a:pPr>
+            <a:r>
+              <a:rPr kumimoji="0" lang="fr-FR" sz="1200" b="1" i="0" u="none" strike="noStrike" cap="none" normalizeH="0" baseline="0" dirty="0">
+                <a:ln>
+                  <a:noFill/>
+                </a:ln>
+                <a:solidFill>
+                  <a:schemeClr val="bg1"/>
+                </a:solidFill>
+                <a:effectLst/>
+                <a:latin typeface="Arial" charset="0"/>
+                <a:ea typeface="ＭＳ Ｐゴシック" pitchFamily="1" charset="-128"/>
+              </a:rPr>
+              <a:t>Q2</a:t>
+            </a:r>
+          </a:p>
+        </p:txBody>
+      </p:sp>
+      <p:sp>
+        <p:nvSpPr>
+          <p:cNvPr id="13" name="Flèche : chevron 12">
+            <a:extLst>
+              <a:ext uri="{FF2B5EF4-FFF2-40B4-BE49-F238E27FC236}">
+                <a16:creationId xmlns:a16="http://schemas.microsoft.com/office/drawing/2014/main" id="{C3386368-3A26-7960-9DEC-6C32A5543459}"/>
+              </a:ext>
+            </a:extLst>
+          </p:cNvPr>
+          <p:cNvSpPr/>
+          <p:nvPr/>
+        </p:nvSpPr>
+        <p:spPr bwMode="auto">
+          <a:xfrm>
+            <a:off x="8801711" y="2898737"/>
+            <a:ext cx="1728216" cy="255140"/>
+          </a:xfrm>
+          <a:prstGeom prst="chevron">
+            <a:avLst/>
+          </a:prstGeom>
+          <a:solidFill>
+            <a:srgbClr val="00B0F0"/>
+          </a:solidFill>
+          <a:ln w="9525" cap="flat" cmpd="sng" algn="ctr">
+            <a:noFill/>
+            <a:prstDash val="solid"/>
+            <a:round/>
+            <a:headEnd type="none" w="med" len="med"/>
+            <a:tailEnd type="none" w="med" len="med"/>
+          </a:ln>
+          <a:effectLst/>
+          <a:extLst>
+            <a:ext uri="{AF507438-7753-43e0-B8FC-AC1667EBCBE1}">
+              <a14:hiddenEffects xmlns="" xmlns:a14="http://schemas.microsoft.com/office/drawing/2010/main">
                 <a:effectLst>
-                  <a:outerShdw blurRad="38100" dist="38100" dir="2700000" algn="tl">
-                    <a:srgbClr val="C0C0C0"/>
+                  <a:outerShdw dist="35921" dir="2700000" algn="ctr" rotWithShape="0">
+                    <a:schemeClr val="bg2"/>
                   </a:outerShdw>
                 </a:effectLst>
-                <a:latin typeface="Century Gothic" pitchFamily="34" charset="0"/>
-              </a:defRPr>
-            </a:lvl8pPr>
-            <a:lvl9pPr marL="1828800" algn="l" rtl="0" fontAlgn="base">
+              </a14:hiddenEffects>
+            </a:ext>
+          </a:extLst>
+        </p:spPr>
+        <p:txBody>
+          <a:bodyPr vert="horz" wrap="square" lIns="91440" tIns="45720" rIns="91440" bIns="45720" numCol="1" rtlCol="0" anchor="t" anchorCtr="0" compatLnSpc="1">
+            <a:prstTxWarp prst="textNoShape">
+              <a:avLst/>
+            </a:prstTxWarp>
+          </a:bodyPr>
+          <a:lstStyle/>
+          <a:p>
+            <a:pPr marL="0" marR="0" indent="0" algn="ctr" defTabSz="914400" rtl="0" eaLnBrk="0" fontAlgn="base" latinLnBrk="0" hangingPunct="0">
+              <a:lnSpc>
+                <a:spcPct val="100000"/>
+              </a:lnSpc>
               <a:spcBef>
                 <a:spcPct val="0"/>
               </a:spcBef>
               <a:spcAft>
                 <a:spcPct val="0"/>
               </a:spcAft>
-              <a:defRPr sz="3600" b="1">
-                <a:solidFill>
-                  <a:srgbClr val="0A3250"/>
-                </a:solidFill>
-                <a:effectLst>
-                  <a:outerShdw blurRad="38100" dist="38100" dir="2700000" algn="tl">
-                    <a:srgbClr val="C0C0C0"/>
-                  </a:outerShdw>
-                </a:effectLst>
-                <a:latin typeface="Century Gothic" pitchFamily="34" charset="0"/>
-              </a:defRPr>
-            </a:lvl9pPr>
-          </a:lstStyle>
-          <a:p>
-            <a:pPr algn="ctr">
-              <a:defRPr/>
+              <a:buClrTx/>
+              <a:buSzTx/>
+              <a:buFontTx/>
+              <a:buNone/>
+              <a:tabLst/>
             </a:pPr>
             <a:r>
-              <a:rPr lang="fr-FR" sz="1400" b="0" i="1" kern="0" dirty="0">
-                <a:solidFill>
-                  <a:schemeClr val="bg1">
-                    <a:lumMod val="50000"/>
-                  </a:schemeClr>
+              <a:rPr kumimoji="0" lang="fr-FR" sz="1200" b="1" i="0" u="none" strike="noStrike" cap="none" normalizeH="0" baseline="0" dirty="0">
+                <a:ln>
+                  <a:noFill/>
+                </a:ln>
+                <a:solidFill>
+                  <a:schemeClr val="bg1"/>
                 </a:solidFill>
                 <a:effectLst/>
-              </a:rPr>
-              <a:t>Données recueillies par l’association CGE</a:t>
-            </a:r>
-            <a:br>
-              <a:rPr lang="fr-FR" sz="1400" b="0" i="1" kern="0" dirty="0">
-                <a:solidFill>
-                  <a:schemeClr val="bg1">
-                    <a:lumMod val="50000"/>
-                  </a:schemeClr>
-                </a:solidFill>
-                <a:effectLst/>
-              </a:rPr>
-            </a:br>
-            <a:r>
-              <a:rPr lang="fr-FR" sz="1400" b="0" i="1" kern="0" dirty="0">
-                <a:solidFill>
-                  <a:schemeClr val="bg1">
-                    <a:lumMod val="50000"/>
-                  </a:schemeClr>
-                </a:solidFill>
-                <a:effectLst/>
-              </a:rPr>
-              <a:t>et compilées par </a:t>
-            </a:r>
-            <a:r>
-              <a:rPr lang="fr-FR" sz="1400" i="1" kern="0" dirty="0">
-                <a:solidFill>
-                  <a:schemeClr val="bg1">
-                    <a:lumMod val="50000"/>
-                  </a:schemeClr>
-                </a:solidFill>
-                <a:effectLst/>
-              </a:rPr>
-              <a:t>Julien VILLEMEJANE</a:t>
+                <a:latin typeface="Arial" charset="0"/>
+                <a:ea typeface="ＭＳ Ｐゴシック" pitchFamily="1" charset="-128"/>
+              </a:rPr>
+              <a:t>Q3</a:t>
             </a:r>
           </a:p>
         </p:txBody>
       </p:sp>
       <p:pic>
         <p:nvPicPr>
-          <p:cNvPr id="6" name="Picture 2" descr="upright=Article à illustrer Organisation">
-            <a:extLst>
-              <a:ext uri="{FF2B5EF4-FFF2-40B4-BE49-F238E27FC236}">
-                <a16:creationId xmlns:a16="http://schemas.microsoft.com/office/drawing/2014/main" id="{6F6899A9-0D72-4C3B-73D5-188C847C122E}"/>
+          <p:cNvPr id="14" name="Image 13">
+            <a:extLst>
+              <a:ext uri="{FF2B5EF4-FFF2-40B4-BE49-F238E27FC236}">
+                <a16:creationId xmlns:a16="http://schemas.microsoft.com/office/drawing/2014/main" id="{B6B1D229-2FA2-CFE9-B43F-62C19B799CCD}"/>
+              </a:ext>
+            </a:extLst>
+          </p:cNvPr>
+          <p:cNvPicPr>
+            <a:picLocks noChangeAspect="1"/>
+          </p:cNvPicPr>
+          <p:nvPr/>
+        </p:nvPicPr>
+        <p:blipFill>
+          <a:blip r:embed="rId2"/>
+          <a:stretch>
+            <a:fillRect/>
+          </a:stretch>
+        </p:blipFill>
+        <p:spPr>
+          <a:xfrm>
+            <a:off x="2179478" y="2631983"/>
+            <a:ext cx="303738" cy="255140"/>
+          </a:xfrm>
+          <a:prstGeom prst="rect">
+            <a:avLst/>
+          </a:prstGeom>
+        </p:spPr>
+      </p:pic>
+      <p:sp>
+        <p:nvSpPr>
+          <p:cNvPr id="15" name="ZoneTexte 14">
+            <a:extLst>
+              <a:ext uri="{FF2B5EF4-FFF2-40B4-BE49-F238E27FC236}">
+                <a16:creationId xmlns:a16="http://schemas.microsoft.com/office/drawing/2014/main" id="{37FBDDFF-900F-E680-D2C2-8DB18CAD2AB1}"/>
+              </a:ext>
+            </a:extLst>
+          </p:cNvPr>
+          <p:cNvSpPr txBox="1"/>
+          <p:nvPr/>
+        </p:nvSpPr>
+        <p:spPr>
+          <a:xfrm>
+            <a:off x="4091989" y="2568818"/>
+            <a:ext cx="689611" cy="261610"/>
+          </a:xfrm>
+          <a:prstGeom prst="rect">
+            <a:avLst/>
+          </a:prstGeom>
+          <a:noFill/>
+        </p:spPr>
+        <p:txBody>
+          <a:bodyPr wrap="none" rtlCol="0">
+            <a:spAutoFit/>
+          </a:bodyPr>
+          <a:lstStyle/>
+          <a:p>
+            <a:pPr algn="ctr"/>
+            <a:r>
+              <a:rPr lang="fr-FR" sz="1100" b="1" dirty="0">
+                <a:solidFill>
+                  <a:srgbClr val="7030A0"/>
+                </a:solidFill>
+                <a:latin typeface="Raleway" pitchFamily="2" charset="0"/>
+              </a:rPr>
+              <a:t>COLLECT</a:t>
+            </a:r>
+          </a:p>
+        </p:txBody>
+      </p:sp>
+      <p:sp>
+        <p:nvSpPr>
+          <p:cNvPr id="16" name="ZoneTexte 15">
+            <a:extLst>
+              <a:ext uri="{FF2B5EF4-FFF2-40B4-BE49-F238E27FC236}">
+                <a16:creationId xmlns:a16="http://schemas.microsoft.com/office/drawing/2014/main" id="{E6052042-F827-39E2-014F-E57802CCE36F}"/>
+              </a:ext>
+            </a:extLst>
+          </p:cNvPr>
+          <p:cNvSpPr txBox="1"/>
+          <p:nvPr/>
+        </p:nvSpPr>
+        <p:spPr>
+          <a:xfrm>
+            <a:off x="1564245" y="2581574"/>
+            <a:ext cx="590225" cy="261610"/>
+          </a:xfrm>
+          <a:prstGeom prst="rect">
+            <a:avLst/>
+          </a:prstGeom>
+          <a:noFill/>
+        </p:spPr>
+        <p:txBody>
+          <a:bodyPr wrap="none" rtlCol="0">
+            <a:spAutoFit/>
+          </a:bodyPr>
+          <a:lstStyle/>
+          <a:p>
+            <a:pPr algn="ctr"/>
+            <a:r>
+              <a:rPr lang="fr-FR" sz="1100" b="1" dirty="0">
+                <a:solidFill>
+                  <a:srgbClr val="0A3250"/>
+                </a:solidFill>
+                <a:latin typeface="Raleway" pitchFamily="2" charset="0"/>
+              </a:rPr>
+              <a:t>SET UP</a:t>
+            </a:r>
+          </a:p>
+        </p:txBody>
+      </p:sp>
+      <p:sp>
+        <p:nvSpPr>
+          <p:cNvPr id="17" name="ZoneTexte 16">
+            <a:extLst>
+              <a:ext uri="{FF2B5EF4-FFF2-40B4-BE49-F238E27FC236}">
+                <a16:creationId xmlns:a16="http://schemas.microsoft.com/office/drawing/2014/main" id="{8D7EBEA5-58A1-F42A-2361-EC0422A1068B}"/>
+              </a:ext>
+            </a:extLst>
+          </p:cNvPr>
+          <p:cNvSpPr txBox="1"/>
+          <p:nvPr/>
+        </p:nvSpPr>
+        <p:spPr>
+          <a:xfrm>
+            <a:off x="6638264" y="2560652"/>
+            <a:ext cx="715260" cy="261610"/>
+          </a:xfrm>
+          <a:prstGeom prst="rect">
+            <a:avLst/>
+          </a:prstGeom>
+          <a:noFill/>
+        </p:spPr>
+        <p:txBody>
+          <a:bodyPr wrap="none" rtlCol="0">
+            <a:spAutoFit/>
+          </a:bodyPr>
+          <a:lstStyle/>
+          <a:p>
+            <a:pPr algn="ctr"/>
+            <a:r>
+              <a:rPr lang="fr-FR" sz="1100" b="1" dirty="0">
+                <a:solidFill>
+                  <a:srgbClr val="0070C0"/>
+                </a:solidFill>
+                <a:latin typeface="Raleway" pitchFamily="2" charset="0"/>
+              </a:rPr>
+              <a:t>PROCESS</a:t>
+            </a:r>
+          </a:p>
+        </p:txBody>
+      </p:sp>
+      <p:sp>
+        <p:nvSpPr>
+          <p:cNvPr id="18" name="ZoneTexte 17">
+            <a:extLst>
+              <a:ext uri="{FF2B5EF4-FFF2-40B4-BE49-F238E27FC236}">
+                <a16:creationId xmlns:a16="http://schemas.microsoft.com/office/drawing/2014/main" id="{62B37BCF-FECD-379A-5CEB-67499A2CADB6}"/>
+              </a:ext>
+            </a:extLst>
+          </p:cNvPr>
+          <p:cNvSpPr txBox="1"/>
+          <p:nvPr/>
+        </p:nvSpPr>
+        <p:spPr>
+          <a:xfrm>
+            <a:off x="9333033" y="2559633"/>
+            <a:ext cx="665567" cy="261610"/>
+          </a:xfrm>
+          <a:prstGeom prst="rect">
+            <a:avLst/>
+          </a:prstGeom>
+          <a:noFill/>
+        </p:spPr>
+        <p:txBody>
+          <a:bodyPr wrap="none" rtlCol="0">
+            <a:spAutoFit/>
+          </a:bodyPr>
+          <a:lstStyle/>
+          <a:p>
+            <a:pPr algn="ctr"/>
+            <a:r>
+              <a:rPr lang="fr-FR" sz="1100" b="1" dirty="0">
+                <a:solidFill>
+                  <a:srgbClr val="00B0F0"/>
+                </a:solidFill>
+                <a:latin typeface="Raleway" pitchFamily="2" charset="0"/>
+              </a:rPr>
+              <a:t>DIFFUSE</a:t>
+            </a:r>
+          </a:p>
+        </p:txBody>
+      </p:sp>
+      <p:pic>
+        <p:nvPicPr>
+          <p:cNvPr id="21" name="Image 20">
+            <a:extLst>
+              <a:ext uri="{FF2B5EF4-FFF2-40B4-BE49-F238E27FC236}">
+                <a16:creationId xmlns:a16="http://schemas.microsoft.com/office/drawing/2014/main" id="{3EA51758-D6C2-C2B6-A7D8-A741D9B1301C}"/>
+              </a:ext>
+            </a:extLst>
+          </p:cNvPr>
+          <p:cNvPicPr>
+            <a:picLocks noChangeAspect="1"/>
+          </p:cNvPicPr>
+          <p:nvPr/>
+        </p:nvPicPr>
+        <p:blipFill>
+          <a:blip r:embed="rId3"/>
+          <a:stretch>
+            <a:fillRect/>
+          </a:stretch>
+        </p:blipFill>
+        <p:spPr>
+          <a:xfrm>
+            <a:off x="1642066" y="2009654"/>
+            <a:ext cx="335972" cy="292999"/>
+          </a:xfrm>
+          <a:prstGeom prst="rect">
+            <a:avLst/>
+          </a:prstGeom>
+        </p:spPr>
+      </p:pic>
+      <p:pic>
+        <p:nvPicPr>
+          <p:cNvPr id="22" name="Image 21">
+            <a:extLst>
+              <a:ext uri="{FF2B5EF4-FFF2-40B4-BE49-F238E27FC236}">
+                <a16:creationId xmlns:a16="http://schemas.microsoft.com/office/drawing/2014/main" id="{06C1A2E6-13E1-8BDF-F25D-F914CACC2855}"/>
+              </a:ext>
+            </a:extLst>
+          </p:cNvPr>
+          <p:cNvPicPr>
+            <a:picLocks noChangeAspect="1"/>
+          </p:cNvPicPr>
+          <p:nvPr/>
+        </p:nvPicPr>
+        <p:blipFill>
+          <a:blip r:embed="rId4"/>
+          <a:stretch>
+            <a:fillRect/>
+          </a:stretch>
+        </p:blipFill>
+        <p:spPr>
+          <a:xfrm>
+            <a:off x="4313608" y="1752759"/>
+            <a:ext cx="246371" cy="256359"/>
+          </a:xfrm>
+          <a:prstGeom prst="rect">
+            <a:avLst/>
+          </a:prstGeom>
+        </p:spPr>
+      </p:pic>
+      <p:pic>
+        <p:nvPicPr>
+          <p:cNvPr id="23" name="Image 22">
+            <a:extLst>
+              <a:ext uri="{FF2B5EF4-FFF2-40B4-BE49-F238E27FC236}">
+                <a16:creationId xmlns:a16="http://schemas.microsoft.com/office/drawing/2014/main" id="{904EE84E-E362-1E62-1675-100131B9EA98}"/>
+              </a:ext>
+            </a:extLst>
+          </p:cNvPr>
+          <p:cNvPicPr>
+            <a:picLocks noChangeAspect="1"/>
+          </p:cNvPicPr>
+          <p:nvPr/>
+        </p:nvPicPr>
+        <p:blipFill>
+          <a:blip r:embed="rId5"/>
+          <a:stretch>
+            <a:fillRect/>
+          </a:stretch>
+        </p:blipFill>
+        <p:spPr>
+          <a:xfrm>
+            <a:off x="4227792" y="2046308"/>
+            <a:ext cx="418005" cy="400378"/>
+          </a:xfrm>
+          <a:prstGeom prst="rect">
+            <a:avLst/>
+          </a:prstGeom>
+        </p:spPr>
+      </p:pic>
+      <p:pic>
+        <p:nvPicPr>
+          <p:cNvPr id="28" name="Image 27">
+            <a:extLst>
+              <a:ext uri="{FF2B5EF4-FFF2-40B4-BE49-F238E27FC236}">
+                <a16:creationId xmlns:a16="http://schemas.microsoft.com/office/drawing/2014/main" id="{A28E9D2B-572C-B0BE-1148-22750CA19FD2}"/>
+              </a:ext>
+            </a:extLst>
+          </p:cNvPr>
+          <p:cNvPicPr>
+            <a:picLocks noChangeAspect="1"/>
+          </p:cNvPicPr>
+          <p:nvPr/>
+        </p:nvPicPr>
+        <p:blipFill>
+          <a:blip r:embed="rId6"/>
+          <a:stretch>
+            <a:fillRect/>
+          </a:stretch>
+        </p:blipFill>
+        <p:spPr>
+          <a:xfrm>
+            <a:off x="6812619" y="1992892"/>
+            <a:ext cx="366550" cy="395965"/>
+          </a:xfrm>
+          <a:prstGeom prst="rect">
+            <a:avLst/>
+          </a:prstGeom>
+        </p:spPr>
+      </p:pic>
+      <p:pic>
+        <p:nvPicPr>
+          <p:cNvPr id="29" name="Image 28">
+            <a:extLst>
+              <a:ext uri="{FF2B5EF4-FFF2-40B4-BE49-F238E27FC236}">
+                <a16:creationId xmlns:a16="http://schemas.microsoft.com/office/drawing/2014/main" id="{DF9C2764-EDB0-A8E6-906D-2ED066B1D23A}"/>
+              </a:ext>
+            </a:extLst>
+          </p:cNvPr>
+          <p:cNvPicPr>
+            <a:picLocks noChangeAspect="1"/>
+          </p:cNvPicPr>
+          <p:nvPr/>
+        </p:nvPicPr>
+        <p:blipFill>
+          <a:blip r:embed="rId7"/>
+          <a:stretch>
+            <a:fillRect/>
+          </a:stretch>
+        </p:blipFill>
+        <p:spPr>
+          <a:xfrm>
+            <a:off x="9452799" y="1852056"/>
+            <a:ext cx="369631" cy="371731"/>
+          </a:xfrm>
+          <a:prstGeom prst="rect">
+            <a:avLst/>
+          </a:prstGeom>
+        </p:spPr>
+      </p:pic>
+      <p:pic>
+        <p:nvPicPr>
+          <p:cNvPr id="31" name="Image 30">
+            <a:extLst>
+              <a:ext uri="{FF2B5EF4-FFF2-40B4-BE49-F238E27FC236}">
+                <a16:creationId xmlns:a16="http://schemas.microsoft.com/office/drawing/2014/main" id="{C2DF21A0-D14E-9FB8-F449-B0DB9DF858BE}"/>
+              </a:ext>
+            </a:extLst>
+          </p:cNvPr>
+          <p:cNvPicPr>
+            <a:picLocks noChangeAspect="1"/>
+          </p:cNvPicPr>
+          <p:nvPr/>
+        </p:nvPicPr>
+        <p:blipFill>
+          <a:blip r:embed="rId8"/>
+          <a:stretch>
+            <a:fillRect/>
+          </a:stretch>
+        </p:blipFill>
+        <p:spPr>
+          <a:xfrm>
+            <a:off x="9782248" y="2208287"/>
+            <a:ext cx="227446" cy="225909"/>
+          </a:xfrm>
+          <a:prstGeom prst="rect">
+            <a:avLst/>
+          </a:prstGeom>
+        </p:spPr>
+      </p:pic>
+      <p:pic>
+        <p:nvPicPr>
+          <p:cNvPr id="32" name="Image 31">
+            <a:extLst>
+              <a:ext uri="{FF2B5EF4-FFF2-40B4-BE49-F238E27FC236}">
+                <a16:creationId xmlns:a16="http://schemas.microsoft.com/office/drawing/2014/main" id="{7CDE13BB-FEA0-C941-0CFC-756834AC92BD}"/>
+              </a:ext>
+            </a:extLst>
+          </p:cNvPr>
+          <p:cNvPicPr>
+            <a:picLocks noChangeAspect="1"/>
+          </p:cNvPicPr>
+          <p:nvPr/>
+        </p:nvPicPr>
+        <p:blipFill>
+          <a:blip r:embed="rId9"/>
+          <a:stretch>
+            <a:fillRect/>
+          </a:stretch>
+        </p:blipFill>
+        <p:spPr>
+          <a:xfrm>
+            <a:off x="9388060" y="2276215"/>
+            <a:ext cx="236936" cy="206962"/>
+          </a:xfrm>
+          <a:prstGeom prst="rect">
+            <a:avLst/>
+          </a:prstGeom>
+        </p:spPr>
+      </p:pic>
+      <p:pic>
+        <p:nvPicPr>
+          <p:cNvPr id="33" name="Picture 2">
+            <a:extLst>
+              <a:ext uri="{FF2B5EF4-FFF2-40B4-BE49-F238E27FC236}">
+                <a16:creationId xmlns:a16="http://schemas.microsoft.com/office/drawing/2014/main" id="{D477FD62-F316-A636-E427-6B344C19FFAC}"/>
               </a:ext>
             </a:extLst>
           </p:cNvPr>
@@ -6061,7 +6897,7 @@
           <p:nvPr/>
         </p:nvPicPr>
         <p:blipFill>
-          <a:blip r:embed="rId2">
+          <a:blip r:embed="rId10">
             <a:extLst>
               <a:ext uri="{28A0092B-C50C-407E-A947-70E740481C1C}">
                 <a14:useLocalDpi xmlns:a14="http://schemas.microsoft.com/office/drawing/2010/main" val="0"/>
@@ -6075,16 +6911,13 @@
         </p:blipFill>
         <p:spPr bwMode="auto">
           <a:xfrm>
-            <a:off x="9062424" y="332656"/>
-            <a:ext cx="2095500" cy="695325"/>
+            <a:off x="9955006" y="4559205"/>
+            <a:ext cx="634177" cy="621493"/>
           </a:xfrm>
           <a:prstGeom prst="rect">
             <a:avLst/>
           </a:prstGeom>
           <a:noFill/>
-          <a:ln>
-            <a:noFill/>
-          </a:ln>
           <a:extLst>
             <a:ext uri="{909E8E84-426E-40DD-AFC4-6F175D3DCCD1}">
               <a14:hiddenFill xmlns:a14="http://schemas.microsoft.com/office/drawing/2010/main">
@@ -6093,23 +6926,892 @@
                 </a:solidFill>
               </a14:hiddenFill>
             </a:ext>
-            <a:ext uri="{91240B29-F687-4F45-9708-019B960494DF}">
-              <a14:hiddenLine xmlns:a14="http://schemas.microsoft.com/office/drawing/2010/main" w="9525">
-                <a:solidFill>
-                  <a:srgbClr val="000000"/>
-                </a:solidFill>
-                <a:miter lim="800000"/>
-                <a:headEnd/>
-                <a:tailEnd/>
-              </a14:hiddenLine>
+          </a:extLst>
+        </p:spPr>
+      </p:pic>
+      <p:pic>
+        <p:nvPicPr>
+          <p:cNvPr id="34" name="Graphique 33">
+            <a:extLst>
+              <a:ext uri="{FF2B5EF4-FFF2-40B4-BE49-F238E27FC236}">
+                <a16:creationId xmlns:a16="http://schemas.microsoft.com/office/drawing/2014/main" id="{EAD0664D-32AD-455B-227D-2D28F8E62833}"/>
+              </a:ext>
+            </a:extLst>
+          </p:cNvPr>
+          <p:cNvPicPr>
+            <a:picLocks noChangeAspect="1"/>
+          </p:cNvPicPr>
+          <p:nvPr/>
+        </p:nvPicPr>
+        <p:blipFill>
+          <a:blip r:embed="rId11">
+            <a:extLst>
+              <a:ext uri="{96DAC541-7B7A-43D3-8B79-37D633B846F1}">
+                <asvg:svgBlip xmlns:asvg="http://schemas.microsoft.com/office/drawing/2016/SVG/main" r:embed="rId12"/>
+              </a:ext>
+            </a:extLst>
+          </a:blip>
+          <a:stretch>
+            <a:fillRect/>
+          </a:stretch>
+        </p:blipFill>
+        <p:spPr>
+          <a:xfrm>
+            <a:off x="10836815" y="4559205"/>
+            <a:ext cx="806264" cy="154910"/>
+          </a:xfrm>
+          <a:prstGeom prst="rect">
+            <a:avLst/>
+          </a:prstGeom>
+        </p:spPr>
+      </p:pic>
+      <p:pic>
+        <p:nvPicPr>
+          <p:cNvPr id="35" name="Graphique 34">
+            <a:extLst>
+              <a:ext uri="{FF2B5EF4-FFF2-40B4-BE49-F238E27FC236}">
+                <a16:creationId xmlns:a16="http://schemas.microsoft.com/office/drawing/2014/main" id="{45594083-4E98-6EB6-5DAD-B86875FB9C7B}"/>
+              </a:ext>
+            </a:extLst>
+          </p:cNvPr>
+          <p:cNvPicPr>
+            <a:picLocks noChangeAspect="1"/>
+          </p:cNvPicPr>
+          <p:nvPr/>
+        </p:nvPicPr>
+        <p:blipFill>
+          <a:blip r:embed="rId13">
+            <a:extLst>
+              <a:ext uri="{96DAC541-7B7A-43D3-8B79-37D633B846F1}">
+                <asvg:svgBlip xmlns:asvg="http://schemas.microsoft.com/office/drawing/2016/SVG/main" r:embed="rId14"/>
+              </a:ext>
+            </a:extLst>
+          </a:blip>
+          <a:stretch>
+            <a:fillRect/>
+          </a:stretch>
+        </p:blipFill>
+        <p:spPr>
+          <a:xfrm>
+            <a:off x="10918478" y="4797542"/>
+            <a:ext cx="642937" cy="185737"/>
+          </a:xfrm>
+          <a:prstGeom prst="rect">
+            <a:avLst/>
+          </a:prstGeom>
+        </p:spPr>
+      </p:pic>
+      <p:pic>
+        <p:nvPicPr>
+          <p:cNvPr id="36" name="Image 35">
+            <a:extLst>
+              <a:ext uri="{FF2B5EF4-FFF2-40B4-BE49-F238E27FC236}">
+                <a16:creationId xmlns:a16="http://schemas.microsoft.com/office/drawing/2014/main" id="{9372F1B3-1001-599D-B658-6E74A64CCE9C}"/>
+              </a:ext>
+            </a:extLst>
+          </p:cNvPr>
+          <p:cNvPicPr>
+            <a:picLocks noChangeAspect="1"/>
+          </p:cNvPicPr>
+          <p:nvPr/>
+        </p:nvPicPr>
+        <p:blipFill>
+          <a:blip r:embed="rId15"/>
+          <a:stretch>
+            <a:fillRect/>
+          </a:stretch>
+        </p:blipFill>
+        <p:spPr>
+          <a:xfrm>
+            <a:off x="10945910" y="5041448"/>
+            <a:ext cx="554801" cy="217773"/>
+          </a:xfrm>
+          <a:prstGeom prst="rect">
+            <a:avLst/>
+          </a:prstGeom>
+        </p:spPr>
+      </p:pic>
+      <p:sp>
+        <p:nvSpPr>
+          <p:cNvPr id="37" name="ZoneTexte 36">
+            <a:extLst>
+              <a:ext uri="{FF2B5EF4-FFF2-40B4-BE49-F238E27FC236}">
+                <a16:creationId xmlns:a16="http://schemas.microsoft.com/office/drawing/2014/main" id="{CE91ABFB-2B4B-9ACD-6E45-6DDDB3BD43BA}"/>
+              </a:ext>
+            </a:extLst>
+          </p:cNvPr>
+          <p:cNvSpPr txBox="1"/>
+          <p:nvPr/>
+        </p:nvSpPr>
+        <p:spPr>
+          <a:xfrm>
+            <a:off x="10001503" y="5464191"/>
+            <a:ext cx="1370470" cy="276999"/>
+          </a:xfrm>
+          <a:prstGeom prst="rect">
+            <a:avLst/>
+          </a:prstGeom>
+          <a:noFill/>
+        </p:spPr>
+        <p:txBody>
+          <a:bodyPr wrap="square">
+            <a:spAutoFit/>
+          </a:bodyPr>
+          <a:lstStyle/>
+          <a:p>
+            <a:pPr algn="ctr"/>
+            <a:r>
+              <a:rPr lang="fr-FR" sz="1200" b="1" dirty="0">
+                <a:solidFill>
+                  <a:srgbClr val="00B0F0"/>
+                </a:solidFill>
+                <a:latin typeface="Raleway" pitchFamily="2" charset="0"/>
+              </a:rPr>
+              <a:t>Données certifiées</a:t>
+            </a:r>
+          </a:p>
+        </p:txBody>
+      </p:sp>
+      <p:sp>
+        <p:nvSpPr>
+          <p:cNvPr id="39" name="ZoneTexte 38">
+            <a:extLst>
+              <a:ext uri="{FF2B5EF4-FFF2-40B4-BE49-F238E27FC236}">
+                <a16:creationId xmlns:a16="http://schemas.microsoft.com/office/drawing/2014/main" id="{61E31C00-3522-5EED-A24E-08C7619758C5}"/>
+              </a:ext>
+            </a:extLst>
+          </p:cNvPr>
+          <p:cNvSpPr txBox="1"/>
+          <p:nvPr/>
+        </p:nvSpPr>
+        <p:spPr>
+          <a:xfrm>
+            <a:off x="10001503" y="5879023"/>
+            <a:ext cx="1370470" cy="276999"/>
+          </a:xfrm>
+          <a:prstGeom prst="rect">
+            <a:avLst/>
+          </a:prstGeom>
+          <a:noFill/>
+        </p:spPr>
+        <p:txBody>
+          <a:bodyPr wrap="square">
+            <a:spAutoFit/>
+          </a:bodyPr>
+          <a:lstStyle/>
+          <a:p>
+            <a:pPr algn="ctr"/>
+            <a:r>
+              <a:rPr lang="fr-FR" sz="1200" dirty="0">
+                <a:solidFill>
+                  <a:srgbClr val="00B0F0"/>
+                </a:solidFill>
+                <a:latin typeface="Raleway" pitchFamily="2" charset="0"/>
+              </a:rPr>
+              <a:t>Communication</a:t>
+            </a:r>
+          </a:p>
+        </p:txBody>
+      </p:sp>
+      <p:sp>
+        <p:nvSpPr>
+          <p:cNvPr id="40" name="ZoneTexte 39">
+            <a:extLst>
+              <a:ext uri="{FF2B5EF4-FFF2-40B4-BE49-F238E27FC236}">
+                <a16:creationId xmlns:a16="http://schemas.microsoft.com/office/drawing/2014/main" id="{67A2AB01-0345-7AA3-9D08-A60159BE48BF}"/>
+              </a:ext>
+            </a:extLst>
+          </p:cNvPr>
+          <p:cNvSpPr txBox="1"/>
+          <p:nvPr/>
+        </p:nvSpPr>
+        <p:spPr>
+          <a:xfrm>
+            <a:off x="10529035" y="4241854"/>
+            <a:ext cx="1370470" cy="276999"/>
+          </a:xfrm>
+          <a:prstGeom prst="rect">
+            <a:avLst/>
+          </a:prstGeom>
+          <a:noFill/>
+        </p:spPr>
+        <p:txBody>
+          <a:bodyPr wrap="square">
+            <a:spAutoFit/>
+          </a:bodyPr>
+          <a:lstStyle/>
+          <a:p>
+            <a:pPr algn="ctr"/>
+            <a:r>
+              <a:rPr lang="fr-FR" sz="1200" b="1" dirty="0">
+                <a:solidFill>
+                  <a:srgbClr val="00B0F0"/>
+                </a:solidFill>
+                <a:latin typeface="Raleway" pitchFamily="2" charset="0"/>
+              </a:rPr>
+              <a:t>Classement</a:t>
+            </a:r>
+          </a:p>
+        </p:txBody>
+      </p:sp>
+      <p:cxnSp>
+        <p:nvCxnSpPr>
+          <p:cNvPr id="41" name="Connecteur droit avec flèche 40">
+            <a:extLst>
+              <a:ext uri="{FF2B5EF4-FFF2-40B4-BE49-F238E27FC236}">
+                <a16:creationId xmlns:a16="http://schemas.microsoft.com/office/drawing/2014/main" id="{090FE2B7-11F6-5648-5A9D-1F864FA32F4C}"/>
+              </a:ext>
+            </a:extLst>
+          </p:cNvPr>
+          <p:cNvCxnSpPr>
+            <a:cxnSpLocks/>
+          </p:cNvCxnSpPr>
+          <p:nvPr/>
+        </p:nvCxnSpPr>
+        <p:spPr bwMode="auto">
+          <a:xfrm>
+            <a:off x="9477437" y="5879023"/>
+            <a:ext cx="447718" cy="165179"/>
+          </a:xfrm>
+          <a:prstGeom prst="straightConnector1">
+            <a:avLst/>
+          </a:prstGeom>
+          <a:solidFill>
+            <a:schemeClr val="accent1"/>
+          </a:solidFill>
+          <a:ln w="28575" cap="flat" cmpd="sng" algn="ctr">
+            <a:solidFill>
+              <a:srgbClr val="FF960A"/>
+            </a:solidFill>
+            <a:prstDash val="solid"/>
+            <a:round/>
+            <a:headEnd type="none" w="med" len="med"/>
+            <a:tailEnd type="triangle"/>
+          </a:ln>
+          <a:effectLst/>
+          <a:extLst>
+            <a:ext uri="{AF507438-7753-43e0-B8FC-AC1667EBCBE1}">
+              <a14:hiddenEffects xmlns:a14="http://schemas.microsoft.com/office/drawing/2010/main" xmlns="">
+                <a:effectLst>
+                  <a:outerShdw dist="35921" dir="2700000" algn="ctr" rotWithShape="0">
+                    <a:schemeClr val="bg2"/>
+                  </a:outerShdw>
+                </a:effectLst>
+              </a14:hiddenEffects>
             </a:ext>
           </a:extLst>
         </p:spPr>
+      </p:cxnSp>
+      <p:cxnSp>
+        <p:nvCxnSpPr>
+          <p:cNvPr id="42" name="Connecteur droit avec flèche 41">
+            <a:extLst>
+              <a:ext uri="{FF2B5EF4-FFF2-40B4-BE49-F238E27FC236}">
+                <a16:creationId xmlns:a16="http://schemas.microsoft.com/office/drawing/2014/main" id="{C1C4A8D5-F041-E9C9-AD6C-24DBC12C7D76}"/>
+              </a:ext>
+            </a:extLst>
+          </p:cNvPr>
+          <p:cNvCxnSpPr>
+            <a:cxnSpLocks/>
+          </p:cNvCxnSpPr>
+          <p:nvPr/>
+        </p:nvCxnSpPr>
+        <p:spPr bwMode="auto">
+          <a:xfrm>
+            <a:off x="9507281" y="5602690"/>
+            <a:ext cx="447725" cy="0"/>
+          </a:xfrm>
+          <a:prstGeom prst="straightConnector1">
+            <a:avLst/>
+          </a:prstGeom>
+          <a:solidFill>
+            <a:schemeClr val="accent1"/>
+          </a:solidFill>
+          <a:ln w="28575" cap="flat" cmpd="sng" algn="ctr">
+            <a:solidFill>
+              <a:srgbClr val="FF960A"/>
+            </a:solidFill>
+            <a:prstDash val="solid"/>
+            <a:round/>
+            <a:headEnd type="none" w="med" len="med"/>
+            <a:tailEnd type="triangle"/>
+          </a:ln>
+          <a:effectLst/>
+          <a:extLst>
+            <a:ext uri="{AF507438-7753-43e0-B8FC-AC1667EBCBE1}">
+              <a14:hiddenEffects xmlns:a14="http://schemas.microsoft.com/office/drawing/2010/main" xmlns="">
+                <a:effectLst>
+                  <a:outerShdw dist="35921" dir="2700000" algn="ctr" rotWithShape="0">
+                    <a:schemeClr val="bg2"/>
+                  </a:outerShdw>
+                </a:effectLst>
+              </a14:hiddenEffects>
+            </a:ext>
+          </a:extLst>
+        </p:spPr>
+      </p:cxnSp>
+      <p:sp>
+        <p:nvSpPr>
+          <p:cNvPr id="43" name="ZoneTexte 42">
+            <a:extLst>
+              <a:ext uri="{FF2B5EF4-FFF2-40B4-BE49-F238E27FC236}">
+                <a16:creationId xmlns:a16="http://schemas.microsoft.com/office/drawing/2014/main" id="{AF58514A-52C2-D1EE-6C85-A52EC4CE0DF5}"/>
+              </a:ext>
+            </a:extLst>
+          </p:cNvPr>
+          <p:cNvSpPr txBox="1"/>
+          <p:nvPr/>
+        </p:nvSpPr>
+        <p:spPr>
+          <a:xfrm>
+            <a:off x="934406" y="3276710"/>
+            <a:ext cx="1851920" cy="400110"/>
+          </a:xfrm>
+          <a:prstGeom prst="rect">
+            <a:avLst/>
+          </a:prstGeom>
+          <a:noFill/>
+        </p:spPr>
+        <p:txBody>
+          <a:bodyPr wrap="square">
+            <a:spAutoFit/>
+          </a:bodyPr>
+          <a:lstStyle/>
+          <a:p>
+            <a:pPr algn="ctr"/>
+            <a:r>
+              <a:rPr lang="fr-FR" sz="2000" b="1" dirty="0">
+                <a:solidFill>
+                  <a:srgbClr val="002060"/>
+                </a:solidFill>
+                <a:latin typeface="Raleway" pitchFamily="2" charset="0"/>
+              </a:rPr>
+              <a:t>5</a:t>
+            </a:r>
+            <a:r>
+              <a:rPr lang="fr-FR" sz="1200" dirty="0">
+                <a:solidFill>
+                  <a:srgbClr val="002060"/>
+                </a:solidFill>
+                <a:latin typeface="Raleway" pitchFamily="2" charset="0"/>
+              </a:rPr>
+              <a:t> dernières promos</a:t>
+            </a:r>
+          </a:p>
+        </p:txBody>
+      </p:sp>
+      <p:sp>
+        <p:nvSpPr>
+          <p:cNvPr id="44" name="ZoneTexte 43">
+            <a:extLst>
+              <a:ext uri="{FF2B5EF4-FFF2-40B4-BE49-F238E27FC236}">
+                <a16:creationId xmlns:a16="http://schemas.microsoft.com/office/drawing/2014/main" id="{66EEBFE2-DF88-E0E1-A7D9-0B621F9B52CA}"/>
+              </a:ext>
+            </a:extLst>
+          </p:cNvPr>
+          <p:cNvSpPr txBox="1"/>
+          <p:nvPr/>
+        </p:nvSpPr>
+        <p:spPr>
+          <a:xfrm>
+            <a:off x="3572688" y="3213516"/>
+            <a:ext cx="1728216" cy="553998"/>
+          </a:xfrm>
+          <a:prstGeom prst="rect">
+            <a:avLst/>
+          </a:prstGeom>
+          <a:noFill/>
+        </p:spPr>
+        <p:txBody>
+          <a:bodyPr wrap="square">
+            <a:spAutoFit/>
+          </a:bodyPr>
+          <a:lstStyle/>
+          <a:p>
+            <a:pPr algn="ctr"/>
+            <a:r>
+              <a:rPr lang="fr-FR" sz="1800" b="1" dirty="0">
+                <a:solidFill>
+                  <a:srgbClr val="7030A0"/>
+                </a:solidFill>
+                <a:latin typeface="Raleway" pitchFamily="2" charset="0"/>
+              </a:rPr>
+              <a:t>15 minutes</a:t>
+            </a:r>
+          </a:p>
+          <a:p>
+            <a:pPr algn="ctr"/>
+            <a:r>
+              <a:rPr lang="fr-FR" sz="1200" dirty="0">
+                <a:solidFill>
+                  <a:srgbClr val="7030A0"/>
+                </a:solidFill>
+                <a:latin typeface="Raleway" pitchFamily="2" charset="0"/>
+              </a:rPr>
+              <a:t>Par an / 5 années</a:t>
+            </a:r>
+            <a:endParaRPr lang="fr-FR" sz="900" dirty="0">
+              <a:solidFill>
+                <a:srgbClr val="7030A0"/>
+              </a:solidFill>
+              <a:latin typeface="Raleway" pitchFamily="2" charset="0"/>
+            </a:endParaRPr>
+          </a:p>
+        </p:txBody>
+      </p:sp>
+      <p:sp>
+        <p:nvSpPr>
+          <p:cNvPr id="45" name="Espace réservé du contenu 2">
+            <a:extLst>
+              <a:ext uri="{FF2B5EF4-FFF2-40B4-BE49-F238E27FC236}">
+                <a16:creationId xmlns:a16="http://schemas.microsoft.com/office/drawing/2014/main" id="{89DA8697-9D7E-6D51-E3B1-820BF587408A}"/>
+              </a:ext>
+            </a:extLst>
+          </p:cNvPr>
+          <p:cNvSpPr>
+            <a:spLocks noGrp="1" noChangeArrowheads="1"/>
+          </p:cNvSpPr>
+          <p:nvPr>
+            <p:ph idx="1"/>
+          </p:nvPr>
+        </p:nvSpPr>
+        <p:spPr>
+          <a:xfrm>
+            <a:off x="584987" y="4243824"/>
+            <a:ext cx="4361612" cy="464602"/>
+          </a:xfrm>
+        </p:spPr>
+        <p:txBody>
+          <a:bodyPr/>
+          <a:lstStyle/>
+          <a:p>
+            <a:pPr marL="0" indent="0" algn="ctr">
+              <a:buNone/>
+            </a:pPr>
+            <a:r>
+              <a:rPr lang="fr-FR" altLang="fr-FR" sz="2000" b="1" dirty="0">
+                <a:solidFill>
+                  <a:srgbClr val="222268"/>
+                </a:solidFill>
+                <a:ea typeface="ＭＳ Ｐゴシック" panose="020B0600070205080204" pitchFamily="34" charset="-128"/>
+              </a:rPr>
+              <a:t>Participer chaque année, c’est :</a:t>
+            </a:r>
+          </a:p>
+        </p:txBody>
+      </p:sp>
+      <p:sp>
+        <p:nvSpPr>
+          <p:cNvPr id="46" name="Rectangle 45">
+            <a:extLst>
+              <a:ext uri="{FF2B5EF4-FFF2-40B4-BE49-F238E27FC236}">
+                <a16:creationId xmlns:a16="http://schemas.microsoft.com/office/drawing/2014/main" id="{BDD4F9B8-CFF2-1A73-4933-DFD36A05A413}"/>
+              </a:ext>
+            </a:extLst>
+          </p:cNvPr>
+          <p:cNvSpPr/>
+          <p:nvPr/>
+        </p:nvSpPr>
+        <p:spPr>
+          <a:xfrm>
+            <a:off x="978320" y="4841805"/>
+            <a:ext cx="7334953" cy="1600438"/>
+          </a:xfrm>
+          <a:prstGeom prst="rect">
+            <a:avLst/>
+          </a:prstGeom>
+        </p:spPr>
+        <p:txBody>
+          <a:bodyPr wrap="square">
+            <a:spAutoFit/>
+          </a:bodyPr>
+          <a:lstStyle/>
+          <a:p>
+            <a:pPr marL="285750" indent="-285750">
+              <a:buFont typeface="Arial" panose="020B0604020202020204" pitchFamily="34" charset="0"/>
+              <a:buChar char="•"/>
+            </a:pPr>
+            <a:r>
+              <a:rPr lang="fr-FR" sz="1800" dirty="0">
+                <a:solidFill>
+                  <a:srgbClr val="333333"/>
+                </a:solidFill>
+                <a:latin typeface="Calibri" panose="020F0502020204030204" pitchFamily="34" charset="0"/>
+              </a:rPr>
+              <a:t>Promouvoir la </a:t>
+            </a:r>
+            <a:r>
+              <a:rPr lang="fr-FR" sz="1800" b="1" dirty="0">
+                <a:solidFill>
+                  <a:srgbClr val="FF960A"/>
+                </a:solidFill>
+                <a:latin typeface="Calibri" panose="020F0502020204030204" pitchFamily="34" charset="0"/>
+              </a:rPr>
+              <a:t>diversité d’insertion professionnelle</a:t>
+            </a:r>
+            <a:r>
+              <a:rPr lang="fr-FR" sz="1800" dirty="0">
+                <a:solidFill>
+                  <a:srgbClr val="FF960A"/>
+                </a:solidFill>
+                <a:latin typeface="Calibri" panose="020F0502020204030204" pitchFamily="34" charset="0"/>
+              </a:rPr>
+              <a:t> </a:t>
+            </a:r>
+            <a:r>
+              <a:rPr lang="fr-FR" sz="1800" dirty="0">
+                <a:solidFill>
+                  <a:srgbClr val="333333"/>
+                </a:solidFill>
+                <a:latin typeface="Calibri" panose="020F0502020204030204" pitchFamily="34" charset="0"/>
+              </a:rPr>
+              <a:t>de l’école</a:t>
+            </a:r>
+          </a:p>
+          <a:p>
+            <a:pPr marL="285750" indent="-285750">
+              <a:buFont typeface="Arial" panose="020B0604020202020204" pitchFamily="34" charset="0"/>
+              <a:buChar char="•"/>
+            </a:pPr>
+            <a:endParaRPr lang="fr-FR" dirty="0">
+              <a:solidFill>
+                <a:srgbClr val="333333"/>
+              </a:solidFill>
+              <a:latin typeface="Calibri" panose="020F0502020204030204" pitchFamily="34" charset="0"/>
+            </a:endParaRPr>
+          </a:p>
+          <a:p>
+            <a:pPr marL="285750" indent="-285750">
+              <a:buFont typeface="Arial" panose="020B0604020202020204" pitchFamily="34" charset="0"/>
+              <a:buChar char="•"/>
+            </a:pPr>
+            <a:r>
+              <a:rPr lang="fr-FR" dirty="0">
+                <a:solidFill>
+                  <a:srgbClr val="333333"/>
+                </a:solidFill>
+                <a:latin typeface="Calibri" panose="020F0502020204030204" pitchFamily="34" charset="0"/>
+              </a:rPr>
+              <a:t>Augmenter les </a:t>
+            </a:r>
+            <a:r>
+              <a:rPr lang="fr-FR" b="1" dirty="0">
+                <a:solidFill>
+                  <a:srgbClr val="333333"/>
+                </a:solidFill>
+                <a:latin typeface="Calibri" panose="020F0502020204030204" pitchFamily="34" charset="0"/>
+              </a:rPr>
+              <a:t>données collectées</a:t>
+            </a:r>
+            <a:r>
+              <a:rPr lang="fr-FR" dirty="0">
+                <a:solidFill>
+                  <a:srgbClr val="333333"/>
+                </a:solidFill>
+                <a:latin typeface="Calibri" panose="020F0502020204030204" pitchFamily="34" charset="0"/>
+              </a:rPr>
+              <a:t> et les rendre </a:t>
+            </a:r>
+            <a:r>
+              <a:rPr lang="fr-FR" b="1" dirty="0">
+                <a:solidFill>
+                  <a:srgbClr val="333333"/>
+                </a:solidFill>
+                <a:latin typeface="Calibri" panose="020F0502020204030204" pitchFamily="34" charset="0"/>
+              </a:rPr>
+              <a:t>pertinentes</a:t>
+            </a:r>
+            <a:r>
+              <a:rPr lang="fr-FR" dirty="0">
+                <a:solidFill>
+                  <a:srgbClr val="333333"/>
+                </a:solidFill>
+                <a:latin typeface="Calibri" panose="020F0502020204030204" pitchFamily="34" charset="0"/>
+              </a:rPr>
+              <a:t> </a:t>
+            </a:r>
+            <a:br>
+              <a:rPr lang="fr-FR" dirty="0">
+                <a:solidFill>
+                  <a:srgbClr val="333333"/>
+                </a:solidFill>
+                <a:latin typeface="Calibri" panose="020F0502020204030204" pitchFamily="34" charset="0"/>
+              </a:rPr>
+            </a:br>
+            <a:r>
+              <a:rPr lang="fr-FR" dirty="0">
+                <a:solidFill>
+                  <a:srgbClr val="333333"/>
+                </a:solidFill>
+                <a:latin typeface="Calibri" panose="020F0502020204030204" pitchFamily="34" charset="0"/>
+              </a:rPr>
+              <a:t>pour </a:t>
+            </a:r>
+            <a:r>
+              <a:rPr lang="fr-FR" b="1" dirty="0">
+                <a:solidFill>
+                  <a:srgbClr val="FF960A"/>
+                </a:solidFill>
+                <a:latin typeface="Calibri" panose="020F0502020204030204" pitchFamily="34" charset="0"/>
+              </a:rPr>
+              <a:t>l’élaboration des classements</a:t>
+            </a:r>
+            <a:r>
+              <a:rPr lang="fr-FR" dirty="0">
+                <a:solidFill>
+                  <a:srgbClr val="FF960A"/>
+                </a:solidFill>
+                <a:latin typeface="Calibri" panose="020F0502020204030204" pitchFamily="34" charset="0"/>
+              </a:rPr>
+              <a:t> </a:t>
+            </a:r>
+            <a:r>
+              <a:rPr lang="fr-FR" dirty="0">
+                <a:solidFill>
+                  <a:srgbClr val="333333"/>
+                </a:solidFill>
+                <a:latin typeface="Calibri" panose="020F0502020204030204" pitchFamily="34" charset="0"/>
+              </a:rPr>
+              <a:t>de </a:t>
+            </a:r>
+            <a:r>
+              <a:rPr lang="fr-FR" dirty="0" err="1">
+                <a:solidFill>
+                  <a:srgbClr val="333333"/>
+                </a:solidFill>
+                <a:latin typeface="Calibri" panose="020F0502020204030204" pitchFamily="34" charset="0"/>
+              </a:rPr>
+              <a:t>SupOptique</a:t>
+            </a:r>
+            <a:endParaRPr lang="fr-FR" dirty="0">
+              <a:solidFill>
+                <a:srgbClr val="333333"/>
+              </a:solidFill>
+              <a:latin typeface="Calibri" panose="020F0502020204030204" pitchFamily="34" charset="0"/>
+            </a:endParaRPr>
+          </a:p>
+          <a:p>
+            <a:pPr marL="285750" indent="-285750">
+              <a:buFont typeface="Arial" panose="020B0604020202020204" pitchFamily="34" charset="0"/>
+              <a:buChar char="•"/>
+            </a:pPr>
+            <a:endParaRPr lang="fr-FR" dirty="0">
+              <a:solidFill>
+                <a:srgbClr val="333333"/>
+              </a:solidFill>
+              <a:latin typeface="Calibri" panose="020F0502020204030204" pitchFamily="34" charset="0"/>
+            </a:endParaRPr>
+          </a:p>
+          <a:p>
+            <a:pPr marL="285750" indent="-285750">
+              <a:buFont typeface="Arial" panose="020B0604020202020204" pitchFamily="34" charset="0"/>
+              <a:buChar char="•"/>
+            </a:pPr>
+            <a:r>
+              <a:rPr lang="fr-FR" dirty="0">
+                <a:solidFill>
+                  <a:srgbClr val="333333"/>
+                </a:solidFill>
+                <a:latin typeface="Calibri" panose="020F0502020204030204" pitchFamily="34" charset="0"/>
+              </a:rPr>
+              <a:t>Faciliter la </a:t>
+            </a:r>
+            <a:r>
+              <a:rPr lang="fr-FR" b="1" dirty="0">
+                <a:solidFill>
+                  <a:srgbClr val="333333"/>
+                </a:solidFill>
+                <a:latin typeface="Calibri" panose="020F0502020204030204" pitchFamily="34" charset="0"/>
+              </a:rPr>
+              <a:t>communication de l’école </a:t>
+            </a:r>
+            <a:r>
+              <a:rPr lang="fr-FR" dirty="0">
+                <a:solidFill>
+                  <a:srgbClr val="333333"/>
+                </a:solidFill>
+                <a:latin typeface="Calibri" panose="020F0502020204030204" pitchFamily="34" charset="0"/>
+              </a:rPr>
+              <a:t>auprès des futures recrues</a:t>
+            </a:r>
+            <a:endParaRPr lang="fr-FR" dirty="0">
+              <a:solidFill>
+                <a:srgbClr val="333333"/>
+              </a:solidFill>
+              <a:latin typeface="Lucida Sans" panose="020B0602030504020204" pitchFamily="34" charset="0"/>
+            </a:endParaRPr>
+          </a:p>
+        </p:txBody>
+      </p:sp>
+      <p:sp>
+        <p:nvSpPr>
+          <p:cNvPr id="47" name="ZoneTexte 46">
+            <a:extLst>
+              <a:ext uri="{FF2B5EF4-FFF2-40B4-BE49-F238E27FC236}">
+                <a16:creationId xmlns:a16="http://schemas.microsoft.com/office/drawing/2014/main" id="{920357A0-CCC0-6D55-5344-5F3608089E6F}"/>
+              </a:ext>
+            </a:extLst>
+          </p:cNvPr>
+          <p:cNvSpPr txBox="1"/>
+          <p:nvPr/>
+        </p:nvSpPr>
+        <p:spPr>
+          <a:xfrm>
+            <a:off x="7179169" y="3992017"/>
+            <a:ext cx="2567128" cy="400110"/>
+          </a:xfrm>
+          <a:prstGeom prst="rect">
+            <a:avLst/>
+          </a:prstGeom>
+          <a:noFill/>
+          <a:ln>
+            <a:solidFill>
+              <a:srgbClr val="0070C0"/>
+            </a:solidFill>
+          </a:ln>
+        </p:spPr>
+        <p:txBody>
+          <a:bodyPr wrap="square">
+            <a:spAutoFit/>
+          </a:bodyPr>
+          <a:lstStyle/>
+          <a:p>
+            <a:pPr algn="ctr"/>
+            <a:r>
+              <a:rPr lang="fr-FR" sz="2000" b="1" dirty="0">
+                <a:solidFill>
+                  <a:srgbClr val="0070C0"/>
+                </a:solidFill>
+                <a:latin typeface="Raleway" pitchFamily="2" charset="0"/>
+              </a:rPr>
+              <a:t>Valider l’enquête</a:t>
+            </a:r>
+            <a:endParaRPr lang="fr-FR" sz="1000" dirty="0">
+              <a:solidFill>
+                <a:srgbClr val="0070C0"/>
+              </a:solidFill>
+              <a:latin typeface="Raleway" pitchFamily="2" charset="0"/>
+            </a:endParaRPr>
+          </a:p>
+        </p:txBody>
+      </p:sp>
+      <p:pic>
+        <p:nvPicPr>
+          <p:cNvPr id="48" name="Image 47">
+            <a:extLst>
+              <a:ext uri="{FF2B5EF4-FFF2-40B4-BE49-F238E27FC236}">
+                <a16:creationId xmlns:a16="http://schemas.microsoft.com/office/drawing/2014/main" id="{A38FC222-EEF1-92EE-621A-667C51C1AB0B}"/>
+              </a:ext>
+            </a:extLst>
+          </p:cNvPr>
+          <p:cNvPicPr>
+            <a:picLocks noChangeAspect="1"/>
+          </p:cNvPicPr>
+          <p:nvPr/>
+        </p:nvPicPr>
+        <p:blipFill>
+          <a:blip r:embed="rId16"/>
+          <a:stretch>
+            <a:fillRect/>
+          </a:stretch>
+        </p:blipFill>
+        <p:spPr>
+          <a:xfrm>
+            <a:off x="6840695" y="4025100"/>
+            <a:ext cx="258165" cy="392858"/>
+          </a:xfrm>
+          <a:prstGeom prst="rect">
+            <a:avLst/>
+          </a:prstGeom>
+        </p:spPr>
       </p:pic>
+      <p:pic>
+        <p:nvPicPr>
+          <p:cNvPr id="49" name="Image 48">
+            <a:extLst>
+              <a:ext uri="{FF2B5EF4-FFF2-40B4-BE49-F238E27FC236}">
+                <a16:creationId xmlns:a16="http://schemas.microsoft.com/office/drawing/2014/main" id="{D585241A-A01B-FDE8-72A1-DF080573FA80}"/>
+              </a:ext>
+            </a:extLst>
+          </p:cNvPr>
+          <p:cNvPicPr>
+            <a:picLocks noChangeAspect="1"/>
+          </p:cNvPicPr>
+          <p:nvPr/>
+        </p:nvPicPr>
+        <p:blipFill>
+          <a:blip r:embed="rId16"/>
+          <a:stretch>
+            <a:fillRect/>
+          </a:stretch>
+        </p:blipFill>
+        <p:spPr>
+          <a:xfrm rot="10800000">
+            <a:off x="9826606" y="4025100"/>
+            <a:ext cx="235645" cy="392858"/>
+          </a:xfrm>
+          <a:prstGeom prst="rect">
+            <a:avLst/>
+          </a:prstGeom>
+        </p:spPr>
+      </p:pic>
+      <p:sp>
+        <p:nvSpPr>
+          <p:cNvPr id="7" name="ZoneTexte 6">
+            <a:extLst>
+              <a:ext uri="{FF2B5EF4-FFF2-40B4-BE49-F238E27FC236}">
+                <a16:creationId xmlns:a16="http://schemas.microsoft.com/office/drawing/2014/main" id="{411424F1-E8AC-9366-49A8-6DBEA4BC8DD0}"/>
+              </a:ext>
+            </a:extLst>
+          </p:cNvPr>
+          <p:cNvSpPr txBox="1"/>
+          <p:nvPr/>
+        </p:nvSpPr>
+        <p:spPr>
+          <a:xfrm>
+            <a:off x="7563186" y="6468866"/>
+            <a:ext cx="4998129" cy="338554"/>
+          </a:xfrm>
+          <a:prstGeom prst="rect">
+            <a:avLst/>
+          </a:prstGeom>
+          <a:noFill/>
+        </p:spPr>
+        <p:txBody>
+          <a:bodyPr wrap="square">
+            <a:spAutoFit/>
+          </a:bodyPr>
+          <a:lstStyle/>
+          <a:p>
+            <a:r>
+              <a:rPr lang="fr-FR" altLang="fr-FR" b="1" dirty="0">
+                <a:solidFill>
+                  <a:srgbClr val="00B0F0"/>
+                </a:solidFill>
+              </a:rPr>
+              <a:t>l</a:t>
+            </a:r>
+            <a:r>
+              <a:rPr lang="fr-FR" altLang="fr-FR" b="1" dirty="0">
+                <a:solidFill>
+                  <a:srgbClr val="00B0F0"/>
+                </a:solidFill>
+                <a:ea typeface="ＭＳ Ｐゴシック" panose="020B0600070205080204" pitchFamily="34" charset="-128"/>
+              </a:rPr>
+              <a:t>ense.institutoptique.fr/insertion</a:t>
+            </a:r>
+            <a:endParaRPr lang="fr-FR" dirty="0">
+              <a:solidFill>
+                <a:srgbClr val="00B0F0"/>
+              </a:solidFill>
+            </a:endParaRPr>
+          </a:p>
+        </p:txBody>
+      </p:sp>
     </p:spTree>
     <p:extLst>
       <p:ext uri="{BB962C8B-B14F-4D97-AF65-F5344CB8AC3E}">
-        <p14:creationId xmlns:p14="http://schemas.microsoft.com/office/powerpoint/2010/main" val="2160558345"/>
+        <p14:creationId xmlns:p14="http://schemas.microsoft.com/office/powerpoint/2010/main" val="622528836"/>
       </p:ext>
     </p:extLst>
   </p:cSld>
@@ -6120,6 +7822,665 @@
 </file>
 
 <file path=ppt/slides/slide10.xml><?xml version="1.0" encoding="utf-8"?>
+<p:sld xmlns:a="http://schemas.openxmlformats.org/drawingml/2006/main" xmlns:r="http://schemas.openxmlformats.org/officeDocument/2006/relationships" xmlns:p="http://schemas.openxmlformats.org/presentationml/2006/main">
+  <p:cSld>
+    <p:spTree>
+      <p:nvGrpSpPr>
+        <p:cNvPr id="1" name="">
+          <a:extLst>
+            <a:ext uri="{FF2B5EF4-FFF2-40B4-BE49-F238E27FC236}">
+              <a16:creationId xmlns:a16="http://schemas.microsoft.com/office/drawing/2014/main" id="{4C17D259-DEF4-4F6D-37F9-78EC3F4566FA}"/>
+            </a:ext>
+          </a:extLst>
+        </p:cNvPr>
+        <p:cNvGrpSpPr/>
+        <p:nvPr/>
+      </p:nvGrpSpPr>
+      <p:grpSpPr>
+        <a:xfrm>
+          <a:off x="0" y="0"/>
+          <a:ext cx="0" cy="0"/>
+          <a:chOff x="0" y="0"/>
+          <a:chExt cx="0" cy="0"/>
+        </a:xfrm>
+      </p:grpSpPr>
+      <p:sp>
+        <p:nvSpPr>
+          <p:cNvPr id="24" name="ZoneTexte 23">
+            <a:extLst>
+              <a:ext uri="{FF2B5EF4-FFF2-40B4-BE49-F238E27FC236}">
+                <a16:creationId xmlns:a16="http://schemas.microsoft.com/office/drawing/2014/main" id="{4AA88023-1C63-BFAF-5785-2EC404053A86}"/>
+              </a:ext>
+            </a:extLst>
+          </p:cNvPr>
+          <p:cNvSpPr txBox="1"/>
+          <p:nvPr/>
+        </p:nvSpPr>
+        <p:spPr>
+          <a:xfrm>
+            <a:off x="892411" y="3501262"/>
+            <a:ext cx="1051891" cy="400110"/>
+          </a:xfrm>
+          <a:prstGeom prst="rect">
+            <a:avLst/>
+          </a:prstGeom>
+          <a:noFill/>
+        </p:spPr>
+        <p:txBody>
+          <a:bodyPr wrap="none" rtlCol="0">
+            <a:spAutoFit/>
+          </a:bodyPr>
+          <a:lstStyle/>
+          <a:p>
+            <a:pPr algn="ctr"/>
+            <a:r>
+              <a:rPr lang="fr-FR" sz="2000" dirty="0">
+                <a:solidFill>
+                  <a:srgbClr val="00B0F0"/>
+                </a:solidFill>
+                <a:latin typeface="Raleway" pitchFamily="2" charset="0"/>
+              </a:rPr>
+              <a:t>DIFFUSE</a:t>
+            </a:r>
+          </a:p>
+        </p:txBody>
+      </p:sp>
+      <p:sp>
+        <p:nvSpPr>
+          <p:cNvPr id="2" name="Titre 1">
+            <a:extLst>
+              <a:ext uri="{FF2B5EF4-FFF2-40B4-BE49-F238E27FC236}">
+                <a16:creationId xmlns:a16="http://schemas.microsoft.com/office/drawing/2014/main" id="{F3765E78-03E6-2F45-0528-11A84EF9464B}"/>
+              </a:ext>
+            </a:extLst>
+          </p:cNvPr>
+          <p:cNvSpPr>
+            <a:spLocks noGrp="1"/>
+          </p:cNvSpPr>
+          <p:nvPr>
+            <p:ph type="title"/>
+          </p:nvPr>
+        </p:nvSpPr>
+        <p:spPr/>
+        <p:txBody>
+          <a:bodyPr/>
+          <a:lstStyle/>
+          <a:p>
+            <a:r>
+              <a:rPr lang="fr-FR" dirty="0"/>
+              <a:t>Enquête CGE / Evolution</a:t>
+            </a:r>
+          </a:p>
+        </p:txBody>
+      </p:sp>
+      <p:sp>
+        <p:nvSpPr>
+          <p:cNvPr id="9" name="ZoneTexte 8">
+            <a:extLst>
+              <a:ext uri="{FF2B5EF4-FFF2-40B4-BE49-F238E27FC236}">
+                <a16:creationId xmlns:a16="http://schemas.microsoft.com/office/drawing/2014/main" id="{F48F18DB-7E0E-A4C5-E5CC-F699A15116F4}"/>
+              </a:ext>
+            </a:extLst>
+          </p:cNvPr>
+          <p:cNvSpPr txBox="1"/>
+          <p:nvPr/>
+        </p:nvSpPr>
+        <p:spPr>
+          <a:xfrm>
+            <a:off x="767408" y="4093622"/>
+            <a:ext cx="1225753" cy="415498"/>
+          </a:xfrm>
+          <a:prstGeom prst="rect">
+            <a:avLst/>
+          </a:prstGeom>
+          <a:noFill/>
+        </p:spPr>
+        <p:txBody>
+          <a:bodyPr wrap="square">
+            <a:spAutoFit/>
+          </a:bodyPr>
+          <a:lstStyle/>
+          <a:p>
+            <a:pPr algn="ctr"/>
+            <a:r>
+              <a:rPr lang="fr-FR" sz="1050" dirty="0">
+                <a:solidFill>
+                  <a:srgbClr val="0070C0"/>
+                </a:solidFill>
+                <a:latin typeface="Raleway" pitchFamily="2" charset="0"/>
+              </a:rPr>
+              <a:t>~ 400 réponses </a:t>
+            </a:r>
+            <a:br>
+              <a:rPr lang="fr-FR" sz="1050" dirty="0">
+                <a:solidFill>
+                  <a:srgbClr val="0070C0"/>
+                </a:solidFill>
+                <a:latin typeface="Raleway" pitchFamily="2" charset="0"/>
+              </a:rPr>
+            </a:br>
+            <a:r>
+              <a:rPr lang="fr-FR" sz="1050" dirty="0">
+                <a:solidFill>
+                  <a:srgbClr val="0070C0"/>
+                </a:solidFill>
+                <a:latin typeface="Raleway" pitchFamily="2" charset="0"/>
+              </a:rPr>
+              <a:t>x 200 colonnes</a:t>
+            </a:r>
+          </a:p>
+        </p:txBody>
+      </p:sp>
+      <p:pic>
+        <p:nvPicPr>
+          <p:cNvPr id="25" name="Image 24">
+            <a:extLst>
+              <a:ext uri="{FF2B5EF4-FFF2-40B4-BE49-F238E27FC236}">
+                <a16:creationId xmlns:a16="http://schemas.microsoft.com/office/drawing/2014/main" id="{3BD74361-008A-BA2B-403E-BB985AB4ED85}"/>
+              </a:ext>
+            </a:extLst>
+          </p:cNvPr>
+          <p:cNvPicPr>
+            <a:picLocks noChangeAspect="1"/>
+          </p:cNvPicPr>
+          <p:nvPr/>
+        </p:nvPicPr>
+        <p:blipFill>
+          <a:blip r:embed="rId2"/>
+          <a:stretch>
+            <a:fillRect/>
+          </a:stretch>
+        </p:blipFill>
+        <p:spPr>
+          <a:xfrm>
+            <a:off x="994350" y="2293422"/>
+            <a:ext cx="649730" cy="653422"/>
+          </a:xfrm>
+          <a:prstGeom prst="rect">
+            <a:avLst/>
+          </a:prstGeom>
+        </p:spPr>
+      </p:pic>
+      <p:pic>
+        <p:nvPicPr>
+          <p:cNvPr id="26" name="Image 25">
+            <a:extLst>
+              <a:ext uri="{FF2B5EF4-FFF2-40B4-BE49-F238E27FC236}">
+                <a16:creationId xmlns:a16="http://schemas.microsoft.com/office/drawing/2014/main" id="{FF7D3689-87A3-3727-A109-49D54648E20D}"/>
+              </a:ext>
+            </a:extLst>
+          </p:cNvPr>
+          <p:cNvPicPr>
+            <a:picLocks noChangeAspect="1"/>
+          </p:cNvPicPr>
+          <p:nvPr/>
+        </p:nvPicPr>
+        <p:blipFill>
+          <a:blip r:embed="rId3"/>
+          <a:stretch>
+            <a:fillRect/>
+          </a:stretch>
+        </p:blipFill>
+        <p:spPr>
+          <a:xfrm>
+            <a:off x="1566847" y="2919473"/>
+            <a:ext cx="377455" cy="374904"/>
+          </a:xfrm>
+          <a:prstGeom prst="rect">
+            <a:avLst/>
+          </a:prstGeom>
+        </p:spPr>
+      </p:pic>
+      <p:pic>
+        <p:nvPicPr>
+          <p:cNvPr id="27" name="Image 26">
+            <a:extLst>
+              <a:ext uri="{FF2B5EF4-FFF2-40B4-BE49-F238E27FC236}">
+                <a16:creationId xmlns:a16="http://schemas.microsoft.com/office/drawing/2014/main" id="{8DEAA889-DCB4-4D32-6F71-486D1D2674B2}"/>
+              </a:ext>
+            </a:extLst>
+          </p:cNvPr>
+          <p:cNvPicPr>
+            <a:picLocks noChangeAspect="1"/>
+          </p:cNvPicPr>
+          <p:nvPr/>
+        </p:nvPicPr>
+        <p:blipFill>
+          <a:blip r:embed="rId4"/>
+          <a:stretch>
+            <a:fillRect/>
+          </a:stretch>
+        </p:blipFill>
+        <p:spPr>
+          <a:xfrm>
+            <a:off x="943294" y="3046841"/>
+            <a:ext cx="338555" cy="295726"/>
+          </a:xfrm>
+          <a:prstGeom prst="rect">
+            <a:avLst/>
+          </a:prstGeom>
+        </p:spPr>
+      </p:pic>
+      <p:sp>
+        <p:nvSpPr>
+          <p:cNvPr id="30" name="Corde 29">
+            <a:extLst>
+              <a:ext uri="{FF2B5EF4-FFF2-40B4-BE49-F238E27FC236}">
+                <a16:creationId xmlns:a16="http://schemas.microsoft.com/office/drawing/2014/main" id="{51885DE8-0FEC-4CC5-C64F-7369F4AE6B2D}"/>
+              </a:ext>
+            </a:extLst>
+          </p:cNvPr>
+          <p:cNvSpPr/>
+          <p:nvPr/>
+        </p:nvSpPr>
+        <p:spPr bwMode="auto">
+          <a:xfrm>
+            <a:off x="963640" y="4869160"/>
+            <a:ext cx="813816" cy="530352"/>
+          </a:xfrm>
+          <a:prstGeom prst="chord">
+            <a:avLst>
+              <a:gd name="adj1" fmla="val 14391929"/>
+              <a:gd name="adj2" fmla="val 11228208"/>
+            </a:avLst>
+          </a:prstGeom>
+          <a:solidFill>
+            <a:srgbClr val="FF960A"/>
+          </a:solidFill>
+          <a:ln>
+            <a:headEnd type="none" w="med" len="med"/>
+            <a:tailEnd type="none" w="med" len="med"/>
+          </a:ln>
+          <a:effectLst/>
+          <a:extLst>
+            <a:ext uri="{AF507438-7753-43e0-B8FC-AC1667EBCBE1}">
+              <a14:hiddenEffects xmlns:a14="http://schemas.microsoft.com/office/drawing/2010/main" xmlns="">
+                <a:effectLst>
+                  <a:outerShdw dist="35921" dir="2700000" algn="ctr" rotWithShape="0">
+                    <a:schemeClr val="bg2"/>
+                  </a:outerShdw>
+                </a:effectLst>
+              </a14:hiddenEffects>
+            </a:ext>
+          </a:extLst>
+        </p:spPr>
+        <p:style>
+          <a:lnRef idx="0">
+            <a:schemeClr val="accent1"/>
+          </a:lnRef>
+          <a:fillRef idx="3">
+            <a:schemeClr val="accent1"/>
+          </a:fillRef>
+          <a:effectRef idx="3">
+            <a:schemeClr val="accent1"/>
+          </a:effectRef>
+          <a:fontRef idx="minor">
+            <a:schemeClr val="lt1"/>
+          </a:fontRef>
+        </p:style>
+        <p:txBody>
+          <a:bodyPr vert="horz" wrap="square" lIns="91440" tIns="45720" rIns="91440" bIns="45720" numCol="1" rtlCol="0" anchor="ctr" anchorCtr="0" compatLnSpc="1">
+            <a:prstTxWarp prst="textNoShape">
+              <a:avLst/>
+            </a:prstTxWarp>
+          </a:bodyPr>
+          <a:lstStyle/>
+          <a:p>
+            <a:pPr marL="0" marR="0" indent="0" algn="ctr" defTabSz="914400" rtl="0" eaLnBrk="0" fontAlgn="base" latinLnBrk="0" hangingPunct="0">
+              <a:lnSpc>
+                <a:spcPct val="100000"/>
+              </a:lnSpc>
+              <a:spcBef>
+                <a:spcPct val="0"/>
+              </a:spcBef>
+              <a:spcAft>
+                <a:spcPct val="0"/>
+              </a:spcAft>
+              <a:buClrTx/>
+              <a:buSzTx/>
+              <a:buFontTx/>
+              <a:buNone/>
+              <a:tabLst/>
+            </a:pPr>
+            <a:r>
+              <a:rPr kumimoji="0" lang="fr-FR" sz="900" b="1" i="0" u="none" strike="noStrike" cap="none" normalizeH="0" baseline="0" dirty="0">
+                <a:ln>
+                  <a:noFill/>
+                </a:ln>
+                <a:solidFill>
+                  <a:schemeClr val="tx1"/>
+                </a:solidFill>
+                <a:effectLst/>
+                <a:latin typeface="Arial" charset="0"/>
+                <a:ea typeface="ＭＳ Ｐゴシック" pitchFamily="1" charset="-128"/>
+              </a:rPr>
+              <a:t>IOGS</a:t>
+            </a:r>
+            <a:br>
+              <a:rPr kumimoji="0" lang="fr-FR" sz="900" b="1" i="0" u="none" strike="noStrike" cap="none" normalizeH="0" baseline="0" dirty="0">
+                <a:ln>
+                  <a:noFill/>
+                </a:ln>
+                <a:solidFill>
+                  <a:schemeClr val="tx1"/>
+                </a:solidFill>
+                <a:effectLst/>
+                <a:latin typeface="Arial" charset="0"/>
+                <a:ea typeface="ＭＳ Ｐゴシック" pitchFamily="1" charset="-128"/>
+              </a:rPr>
+            </a:br>
+            <a:r>
+              <a:rPr kumimoji="0" lang="fr-FR" sz="900" b="1" i="0" u="none" strike="noStrike" cap="none" normalizeH="0" baseline="0" dirty="0">
+                <a:ln>
+                  <a:noFill/>
+                </a:ln>
+                <a:solidFill>
+                  <a:schemeClr val="tx1"/>
+                </a:solidFill>
+                <a:effectLst/>
+                <a:latin typeface="Arial" charset="0"/>
+                <a:ea typeface="ＭＳ Ｐゴシック" pitchFamily="1" charset="-128"/>
+              </a:rPr>
+              <a:t>2023</a:t>
+            </a:r>
+          </a:p>
+        </p:txBody>
+      </p:sp>
+      <p:sp>
+        <p:nvSpPr>
+          <p:cNvPr id="38" name="ZoneTexte 37">
+            <a:extLst>
+              <a:ext uri="{FF2B5EF4-FFF2-40B4-BE49-F238E27FC236}">
+                <a16:creationId xmlns:a16="http://schemas.microsoft.com/office/drawing/2014/main" id="{A4C14CCD-0887-A00C-B9B1-E9A1A710CE88}"/>
+              </a:ext>
+            </a:extLst>
+          </p:cNvPr>
+          <p:cNvSpPr txBox="1"/>
+          <p:nvPr/>
+        </p:nvSpPr>
+        <p:spPr>
+          <a:xfrm>
+            <a:off x="784834" y="5451429"/>
+            <a:ext cx="1171428" cy="261610"/>
+          </a:xfrm>
+          <a:prstGeom prst="rect">
+            <a:avLst/>
+          </a:prstGeom>
+          <a:noFill/>
+        </p:spPr>
+        <p:txBody>
+          <a:bodyPr wrap="square">
+            <a:spAutoFit/>
+          </a:bodyPr>
+          <a:lstStyle/>
+          <a:p>
+            <a:pPr algn="ctr"/>
+            <a:r>
+              <a:rPr lang="fr-FR" sz="1100" dirty="0">
+                <a:solidFill>
+                  <a:srgbClr val="333333"/>
+                </a:solidFill>
+                <a:latin typeface="Calibri" panose="020F0502020204030204" pitchFamily="34" charset="0"/>
+              </a:rPr>
+              <a:t>80 réponses</a:t>
+            </a:r>
+            <a:endParaRPr lang="fr-FR" sz="1100" dirty="0"/>
+          </a:p>
+        </p:txBody>
+      </p:sp>
+      <p:sp>
+        <p:nvSpPr>
+          <p:cNvPr id="19" name="Corde 18">
+            <a:extLst>
+              <a:ext uri="{FF2B5EF4-FFF2-40B4-BE49-F238E27FC236}">
+                <a16:creationId xmlns:a16="http://schemas.microsoft.com/office/drawing/2014/main" id="{419E3249-5504-3F1D-B957-1166AB0A024C}"/>
+              </a:ext>
+            </a:extLst>
+          </p:cNvPr>
+          <p:cNvSpPr/>
+          <p:nvPr/>
+        </p:nvSpPr>
+        <p:spPr bwMode="auto">
+          <a:xfrm>
+            <a:off x="963640" y="5812035"/>
+            <a:ext cx="813816" cy="530352"/>
+          </a:xfrm>
+          <a:prstGeom prst="chord">
+            <a:avLst>
+              <a:gd name="adj1" fmla="val 21444387"/>
+              <a:gd name="adj2" fmla="val 18022748"/>
+            </a:avLst>
+          </a:prstGeom>
+          <a:solidFill>
+            <a:srgbClr val="222268"/>
+          </a:solidFill>
+          <a:ln>
+            <a:headEnd type="none" w="med" len="med"/>
+            <a:tailEnd type="none" w="med" len="med"/>
+          </a:ln>
+          <a:effectLst/>
+          <a:extLst>
+            <a:ext uri="{AF507438-7753-43e0-B8FC-AC1667EBCBE1}">
+              <a14:hiddenEffects xmlns:a14="http://schemas.microsoft.com/office/drawing/2010/main" xmlns="">
+                <a:effectLst>
+                  <a:outerShdw dist="35921" dir="2700000" algn="ctr" rotWithShape="0">
+                    <a:schemeClr val="bg2"/>
+                  </a:outerShdw>
+                </a:effectLst>
+              </a14:hiddenEffects>
+            </a:ext>
+          </a:extLst>
+        </p:spPr>
+        <p:style>
+          <a:lnRef idx="0">
+            <a:schemeClr val="accent1"/>
+          </a:lnRef>
+          <a:fillRef idx="3">
+            <a:schemeClr val="accent1"/>
+          </a:fillRef>
+          <a:effectRef idx="3">
+            <a:schemeClr val="accent1"/>
+          </a:effectRef>
+          <a:fontRef idx="minor">
+            <a:schemeClr val="lt1"/>
+          </a:fontRef>
+        </p:style>
+        <p:txBody>
+          <a:bodyPr vert="horz" wrap="square" lIns="91440" tIns="45720" rIns="91440" bIns="45720" numCol="1" rtlCol="0" anchor="ctr" anchorCtr="0" compatLnSpc="1">
+            <a:prstTxWarp prst="textNoShape">
+              <a:avLst/>
+            </a:prstTxWarp>
+          </a:bodyPr>
+          <a:lstStyle/>
+          <a:p>
+            <a:pPr marL="0" marR="0" indent="0" algn="ctr" defTabSz="914400" rtl="0" eaLnBrk="0" fontAlgn="base" latinLnBrk="0" hangingPunct="0">
+              <a:lnSpc>
+                <a:spcPct val="100000"/>
+              </a:lnSpc>
+              <a:spcBef>
+                <a:spcPct val="0"/>
+              </a:spcBef>
+              <a:spcAft>
+                <a:spcPct val="0"/>
+              </a:spcAft>
+              <a:buClrTx/>
+              <a:buSzTx/>
+              <a:buFontTx/>
+              <a:buNone/>
+              <a:tabLst/>
+            </a:pPr>
+            <a:r>
+              <a:rPr kumimoji="0" lang="fr-FR" sz="900" b="1" i="0" u="none" strike="noStrike" cap="none" normalizeH="0" baseline="0" dirty="0">
+                <a:ln>
+                  <a:noFill/>
+                </a:ln>
+                <a:solidFill>
+                  <a:schemeClr val="bg1"/>
+                </a:solidFill>
+                <a:effectLst/>
+                <a:latin typeface="Arial" charset="0"/>
+                <a:ea typeface="ＭＳ Ｐゴシック" pitchFamily="1" charset="-128"/>
+              </a:rPr>
+              <a:t>CGE</a:t>
+            </a:r>
+            <a:br>
+              <a:rPr kumimoji="0" lang="fr-FR" sz="900" b="1" i="0" u="none" strike="noStrike" cap="none" normalizeH="0" baseline="0" dirty="0">
+                <a:ln>
+                  <a:noFill/>
+                </a:ln>
+                <a:solidFill>
+                  <a:schemeClr val="bg1"/>
+                </a:solidFill>
+                <a:effectLst/>
+                <a:latin typeface="Arial" charset="0"/>
+                <a:ea typeface="ＭＳ Ｐゴシック" pitchFamily="1" charset="-128"/>
+              </a:rPr>
+            </a:br>
+            <a:r>
+              <a:rPr kumimoji="0" lang="fr-FR" sz="900" b="1" i="0" u="none" strike="noStrike" cap="none" normalizeH="0" baseline="0" dirty="0">
+                <a:ln>
+                  <a:noFill/>
+                </a:ln>
+                <a:solidFill>
+                  <a:schemeClr val="bg1"/>
+                </a:solidFill>
+                <a:effectLst/>
+                <a:latin typeface="Arial" charset="0"/>
+                <a:ea typeface="ＭＳ Ｐゴシック" pitchFamily="1" charset="-128"/>
+              </a:rPr>
+              <a:t>2023</a:t>
+            </a:r>
+          </a:p>
+        </p:txBody>
+      </p:sp>
+      <p:sp>
+        <p:nvSpPr>
+          <p:cNvPr id="20" name="ZoneTexte 19">
+            <a:extLst>
+              <a:ext uri="{FF2B5EF4-FFF2-40B4-BE49-F238E27FC236}">
+                <a16:creationId xmlns:a16="http://schemas.microsoft.com/office/drawing/2014/main" id="{0BFF1FBE-7C35-631D-10FA-E6B3B41A5A48}"/>
+              </a:ext>
+            </a:extLst>
+          </p:cNvPr>
+          <p:cNvSpPr txBox="1"/>
+          <p:nvPr/>
+        </p:nvSpPr>
+        <p:spPr>
+          <a:xfrm>
+            <a:off x="784834" y="6382472"/>
+            <a:ext cx="1171428" cy="246221"/>
+          </a:xfrm>
+          <a:prstGeom prst="rect">
+            <a:avLst/>
+          </a:prstGeom>
+          <a:noFill/>
+        </p:spPr>
+        <p:txBody>
+          <a:bodyPr wrap="square">
+            <a:spAutoFit/>
+          </a:bodyPr>
+          <a:lstStyle/>
+          <a:p>
+            <a:pPr algn="ctr"/>
+            <a:r>
+              <a:rPr lang="fr-FR" sz="1000" dirty="0">
+                <a:solidFill>
+                  <a:srgbClr val="333333"/>
+                </a:solidFill>
+                <a:latin typeface="Calibri" panose="020F0502020204030204" pitchFamily="34" charset="0"/>
+              </a:rPr>
+              <a:t>~ 40.000 réponses</a:t>
+            </a:r>
+            <a:endParaRPr lang="fr-FR" sz="1000" dirty="0"/>
+          </a:p>
+        </p:txBody>
+      </p:sp>
+      <p:pic>
+        <p:nvPicPr>
+          <p:cNvPr id="81" name="Image 80" descr="Une image contenant texte, capture d’écran, ligne, Tracé&#10;&#10;Description générée automatiquement">
+            <a:extLst>
+              <a:ext uri="{FF2B5EF4-FFF2-40B4-BE49-F238E27FC236}">
+                <a16:creationId xmlns:a16="http://schemas.microsoft.com/office/drawing/2014/main" id="{1FB27393-D7AD-372F-A2D0-D47590EE5A1D}"/>
+              </a:ext>
+            </a:extLst>
+          </p:cNvPr>
+          <p:cNvPicPr>
+            <a:picLocks noChangeAspect="1"/>
+          </p:cNvPicPr>
+          <p:nvPr/>
+        </p:nvPicPr>
+        <p:blipFill>
+          <a:blip r:embed="rId5">
+            <a:extLst>
+              <a:ext uri="{28A0092B-C50C-407E-A947-70E740481C1C}">
+                <a14:useLocalDpi xmlns:a14="http://schemas.microsoft.com/office/drawing/2010/main" val="0"/>
+              </a:ext>
+            </a:extLst>
+          </a:blip>
+          <a:stretch>
+            <a:fillRect/>
+          </a:stretch>
+        </p:blipFill>
+        <p:spPr>
+          <a:xfrm>
+            <a:off x="3130081" y="2814704"/>
+            <a:ext cx="4998741" cy="3471984"/>
+          </a:xfrm>
+          <a:prstGeom prst="rect">
+            <a:avLst/>
+          </a:prstGeom>
+        </p:spPr>
+      </p:pic>
+      <p:pic>
+        <p:nvPicPr>
+          <p:cNvPr id="82" name="Image 81" descr="Une image contenant texte, diagramme, capture d’écran, Rectangle&#10;&#10;Description générée automatiquement">
+            <a:extLst>
+              <a:ext uri="{FF2B5EF4-FFF2-40B4-BE49-F238E27FC236}">
+                <a16:creationId xmlns:a16="http://schemas.microsoft.com/office/drawing/2014/main" id="{9E19F2BE-1A15-8339-926A-9C6A61E2FB51}"/>
+              </a:ext>
+            </a:extLst>
+          </p:cNvPr>
+          <p:cNvPicPr>
+            <a:picLocks noChangeAspect="1"/>
+          </p:cNvPicPr>
+          <p:nvPr/>
+        </p:nvPicPr>
+        <p:blipFill>
+          <a:blip r:embed="rId6">
+            <a:extLst>
+              <a:ext uri="{28A0092B-C50C-407E-A947-70E740481C1C}">
+                <a14:useLocalDpi xmlns:a14="http://schemas.microsoft.com/office/drawing/2010/main" val="0"/>
+              </a:ext>
+            </a:extLst>
+          </a:blip>
+          <a:stretch>
+            <a:fillRect/>
+          </a:stretch>
+        </p:blipFill>
+        <p:spPr>
+          <a:xfrm>
+            <a:off x="7406737" y="1229522"/>
+            <a:ext cx="2714770" cy="2265871"/>
+          </a:xfrm>
+          <a:prstGeom prst="rect">
+            <a:avLst/>
+          </a:prstGeom>
+        </p:spPr>
+      </p:pic>
+    </p:spTree>
+    <p:extLst>
+      <p:ext uri="{BB962C8B-B14F-4D97-AF65-F5344CB8AC3E}">
+        <p14:creationId xmlns:p14="http://schemas.microsoft.com/office/powerpoint/2010/main" val="722748437"/>
+      </p:ext>
+    </p:extLst>
+  </p:cSld>
+  <p:clrMapOvr>
+    <a:masterClrMapping/>
+  </p:clrMapOvr>
+</p:sld>
+</file>
+
+<file path=ppt/slides/slide11.xml><?xml version="1.0" encoding="utf-8"?>
 <p:sld xmlns:a="http://schemas.openxmlformats.org/drawingml/2006/main" xmlns:r="http://schemas.openxmlformats.org/officeDocument/2006/relationships" xmlns:p="http://schemas.openxmlformats.org/presentationml/2006/main">
   <p:cSld>
     <p:spTree>
@@ -7566,7 +9927,7 @@
         <p:spPr>
           <a:xfrm>
             <a:off x="10001503" y="5879023"/>
-            <a:ext cx="1370470" cy="307777"/>
+            <a:ext cx="1370470" cy="276999"/>
           </a:xfrm>
           <a:prstGeom prst="rect">
             <a:avLst/>
@@ -7581,7 +9942,7 @@
           <a:p>
             <a:pPr algn="ctr"/>
             <a:r>
-              <a:rPr lang="fr-FR" sz="1400" dirty="0">
+              <a:rPr lang="fr-FR" sz="1200" dirty="0">
                 <a:solidFill>
                   <a:srgbClr val="00B0F0"/>
                 </a:solidFill>
@@ -8137,7 +10498,7 @@
         <p:spPr>
           <a:xfrm>
             <a:off x="7179169" y="3992017"/>
-            <a:ext cx="2567128" cy="461665"/>
+            <a:ext cx="2567128" cy="400110"/>
           </a:xfrm>
           <a:prstGeom prst="rect">
             <a:avLst/>
@@ -8157,7 +10518,7 @@
           <a:p>
             <a:pPr algn="ctr"/>
             <a:r>
-              <a:rPr lang="fr-FR" sz="2400" b="1" dirty="0">
+              <a:rPr lang="fr-FR" sz="2000" b="1" dirty="0">
                 <a:solidFill>
                   <a:srgbClr val="0070C0"/>
                 </a:solidFill>
@@ -8165,7 +10526,7 @@
               </a:rPr>
               <a:t>Valider l’enquête</a:t>
             </a:r>
-            <a:endParaRPr lang="fr-FR" sz="1050" dirty="0">
+            <a:endParaRPr lang="fr-FR" sz="1000" dirty="0">
               <a:solidFill>
                 <a:srgbClr val="0070C0"/>
               </a:solidFill>
@@ -8266,6 +10627,487 @@
       </p:grpSpPr>
       <p:sp>
         <p:nvSpPr>
+          <p:cNvPr id="2" name="Titre 1">
+            <a:extLst>
+              <a:ext uri="{FF2B5EF4-FFF2-40B4-BE49-F238E27FC236}">
+                <a16:creationId xmlns:a16="http://schemas.microsoft.com/office/drawing/2014/main" id="{EB5ADAD9-507B-94BA-E29A-43B51FDD6138}"/>
+              </a:ext>
+            </a:extLst>
+          </p:cNvPr>
+          <p:cNvSpPr>
+            <a:spLocks noGrp="1"/>
+          </p:cNvSpPr>
+          <p:nvPr>
+            <p:ph type="ctrTitle"/>
+          </p:nvPr>
+        </p:nvSpPr>
+        <p:spPr/>
+        <p:txBody>
+          <a:bodyPr/>
+          <a:lstStyle/>
+          <a:p>
+            <a:pPr algn="ctr"/>
+            <a:r>
+              <a:rPr lang="fr-FR" dirty="0"/>
+              <a:t>Insertion Professionnelle après </a:t>
+            </a:r>
+            <a:r>
+              <a:rPr lang="fr-FR" dirty="0" err="1"/>
+              <a:t>SupOptique</a:t>
+            </a:r>
+            <a:endParaRPr lang="fr-FR" dirty="0"/>
+          </a:p>
+        </p:txBody>
+      </p:sp>
+      <p:sp>
+        <p:nvSpPr>
+          <p:cNvPr id="3" name="Sous-titre 2">
+            <a:extLst>
+              <a:ext uri="{FF2B5EF4-FFF2-40B4-BE49-F238E27FC236}">
+                <a16:creationId xmlns:a16="http://schemas.microsoft.com/office/drawing/2014/main" id="{52A2FD8B-8D39-6F45-DA6B-D41E721F906A}"/>
+              </a:ext>
+            </a:extLst>
+          </p:cNvPr>
+          <p:cNvSpPr>
+            <a:spLocks noGrp="1"/>
+          </p:cNvSpPr>
+          <p:nvPr>
+            <p:ph type="subTitle" idx="1"/>
+          </p:nvPr>
+        </p:nvSpPr>
+        <p:spPr/>
+        <p:txBody>
+          <a:bodyPr/>
+          <a:lstStyle/>
+          <a:p>
+            <a:r>
+              <a:rPr lang="fr-FR" dirty="0"/>
+              <a:t>Résultats de l’enquête 2024</a:t>
+            </a:r>
+          </a:p>
+        </p:txBody>
+      </p:sp>
+      <p:sp>
+        <p:nvSpPr>
+          <p:cNvPr id="4" name="Espace réservé du numéro de diapositive 3">
+            <a:extLst>
+              <a:ext uri="{FF2B5EF4-FFF2-40B4-BE49-F238E27FC236}">
+                <a16:creationId xmlns:a16="http://schemas.microsoft.com/office/drawing/2014/main" id="{E7B95965-21A8-CD84-CA86-72DBE1631D2D}"/>
+              </a:ext>
+            </a:extLst>
+          </p:cNvPr>
+          <p:cNvSpPr>
+            <a:spLocks noGrp="1"/>
+          </p:cNvSpPr>
+          <p:nvPr>
+            <p:ph type="sldNum" sz="quarter" idx="4294967295"/>
+          </p:nvPr>
+        </p:nvSpPr>
+        <p:spPr>
+          <a:xfrm>
+            <a:off x="11136560" y="6381328"/>
+            <a:ext cx="720080" cy="288032"/>
+          </a:xfrm>
+          <a:prstGeom prst="rect">
+            <a:avLst/>
+          </a:prstGeom>
+        </p:spPr>
+        <p:txBody>
+          <a:bodyPr/>
+          <a:lstStyle/>
+          <a:p>
+            <a:fld id="{883C3D88-8D27-E04A-93A4-C5B7506FCE43}" type="slidenum">
+              <a:rPr lang="fr-FR" smtClean="0"/>
+              <a:pPr/>
+              <a:t>2</a:t>
+            </a:fld>
+            <a:endParaRPr lang="fr-FR"/>
+          </a:p>
+        </p:txBody>
+      </p:sp>
+      <p:sp>
+        <p:nvSpPr>
+          <p:cNvPr id="5" name="Titre 1">
+            <a:extLst>
+              <a:ext uri="{FF2B5EF4-FFF2-40B4-BE49-F238E27FC236}">
+                <a16:creationId xmlns:a16="http://schemas.microsoft.com/office/drawing/2014/main" id="{8893150F-8C8B-657A-CAD2-BE5BC865438D}"/>
+              </a:ext>
+            </a:extLst>
+          </p:cNvPr>
+          <p:cNvSpPr txBox="1">
+            <a:spLocks/>
+          </p:cNvSpPr>
+          <p:nvPr/>
+        </p:nvSpPr>
+        <p:spPr bwMode="auto">
+          <a:xfrm>
+            <a:off x="0" y="5924534"/>
+            <a:ext cx="12192000" cy="431800"/>
+          </a:xfrm>
+          <a:prstGeom prst="rect">
+            <a:avLst/>
+          </a:prstGeom>
+          <a:noFill/>
+          <a:ln>
+            <a:noFill/>
+          </a:ln>
+          <a:effectLst/>
+          <a:extLst>
+            <a:ext uri="{909E8E84-426E-40DD-AFC4-6F175D3DCCD1}">
+              <a14:hiddenFill xmlns:a14="http://schemas.microsoft.com/office/drawing/2010/main">
+                <a:solidFill>
+                  <a:schemeClr val="accent1"/>
+                </a:solidFill>
+              </a14:hiddenFill>
+            </a:ext>
+            <a:ext uri="{91240B29-F687-4F45-9708-019B960494DF}">
+              <a14:hiddenLine xmlns:a14="http://schemas.microsoft.com/office/drawing/2010/main" w="9525">
+                <a:solidFill>
+                  <a:schemeClr val="tx1"/>
+                </a:solidFill>
+                <a:miter lim="800000"/>
+                <a:headEnd/>
+                <a:tailEnd/>
+              </a14:hiddenLine>
+            </a:ext>
+            <a:ext uri="{AF507438-7753-43E0-B8FC-AC1667EBCBE1}">
+              <a14:hiddenEffects xmlns:a14="http://schemas.microsoft.com/office/drawing/2010/main">
+                <a:effectLst>
+                  <a:outerShdw dist="35921" dir="2700000" algn="ctr" rotWithShape="0">
+                    <a:schemeClr val="bg2"/>
+                  </a:outerShdw>
+                </a:effectLst>
+              </a14:hiddenEffects>
+            </a:ext>
+          </a:extLst>
+        </p:spPr>
+        <p:txBody>
+          <a:bodyPr anchor="ctr"/>
+          <a:lstStyle>
+            <a:lvl1pPr algn="l" rtl="0" eaLnBrk="0" fontAlgn="base" hangingPunct="0">
+              <a:spcBef>
+                <a:spcPct val="0"/>
+              </a:spcBef>
+              <a:spcAft>
+                <a:spcPct val="0"/>
+              </a:spcAft>
+              <a:defRPr sz="3600" b="1">
+                <a:solidFill>
+                  <a:srgbClr val="0A3250"/>
+                </a:solidFill>
+                <a:effectLst>
+                  <a:outerShdw blurRad="38100" dist="38100" dir="2700000" algn="tl">
+                    <a:srgbClr val="C0C0C0"/>
+                  </a:outerShdw>
+                </a:effectLst>
+                <a:latin typeface="+mj-lt"/>
+                <a:ea typeface="ＭＳ Ｐゴシック" charset="0"/>
+                <a:cs typeface="ＭＳ Ｐゴシック" charset="0"/>
+              </a:defRPr>
+            </a:lvl1pPr>
+            <a:lvl2pPr algn="l" rtl="0" eaLnBrk="0" fontAlgn="base" hangingPunct="0">
+              <a:spcBef>
+                <a:spcPct val="0"/>
+              </a:spcBef>
+              <a:spcAft>
+                <a:spcPct val="0"/>
+              </a:spcAft>
+              <a:defRPr sz="3600" b="1">
+                <a:solidFill>
+                  <a:srgbClr val="0A3250"/>
+                </a:solidFill>
+                <a:effectLst>
+                  <a:outerShdw blurRad="38100" dist="38100" dir="2700000" algn="tl">
+                    <a:srgbClr val="C0C0C0"/>
+                  </a:outerShdw>
+                </a:effectLst>
+                <a:latin typeface="Century Gothic" pitchFamily="34" charset="0"/>
+                <a:ea typeface="ＭＳ Ｐゴシック" charset="0"/>
+                <a:cs typeface="ＭＳ Ｐゴシック" charset="0"/>
+              </a:defRPr>
+            </a:lvl2pPr>
+            <a:lvl3pPr algn="l" rtl="0" eaLnBrk="0" fontAlgn="base" hangingPunct="0">
+              <a:spcBef>
+                <a:spcPct val="0"/>
+              </a:spcBef>
+              <a:spcAft>
+                <a:spcPct val="0"/>
+              </a:spcAft>
+              <a:defRPr sz="3600" b="1">
+                <a:solidFill>
+                  <a:srgbClr val="0A3250"/>
+                </a:solidFill>
+                <a:effectLst>
+                  <a:outerShdw blurRad="38100" dist="38100" dir="2700000" algn="tl">
+                    <a:srgbClr val="C0C0C0"/>
+                  </a:outerShdw>
+                </a:effectLst>
+                <a:latin typeface="Century Gothic" pitchFamily="34" charset="0"/>
+                <a:ea typeface="ＭＳ Ｐゴシック" charset="0"/>
+                <a:cs typeface="ＭＳ Ｐゴシック" charset="0"/>
+              </a:defRPr>
+            </a:lvl3pPr>
+            <a:lvl4pPr algn="l" rtl="0" eaLnBrk="0" fontAlgn="base" hangingPunct="0">
+              <a:spcBef>
+                <a:spcPct val="0"/>
+              </a:spcBef>
+              <a:spcAft>
+                <a:spcPct val="0"/>
+              </a:spcAft>
+              <a:defRPr sz="3600" b="1">
+                <a:solidFill>
+                  <a:srgbClr val="0A3250"/>
+                </a:solidFill>
+                <a:effectLst>
+                  <a:outerShdw blurRad="38100" dist="38100" dir="2700000" algn="tl">
+                    <a:srgbClr val="C0C0C0"/>
+                  </a:outerShdw>
+                </a:effectLst>
+                <a:latin typeface="Century Gothic" pitchFamily="34" charset="0"/>
+                <a:ea typeface="ＭＳ Ｐゴシック" charset="0"/>
+                <a:cs typeface="ＭＳ Ｐゴシック" charset="0"/>
+              </a:defRPr>
+            </a:lvl4pPr>
+            <a:lvl5pPr algn="l" rtl="0" eaLnBrk="0" fontAlgn="base" hangingPunct="0">
+              <a:spcBef>
+                <a:spcPct val="0"/>
+              </a:spcBef>
+              <a:spcAft>
+                <a:spcPct val="0"/>
+              </a:spcAft>
+              <a:defRPr sz="3600" b="1">
+                <a:solidFill>
+                  <a:srgbClr val="0A3250"/>
+                </a:solidFill>
+                <a:effectLst>
+                  <a:outerShdw blurRad="38100" dist="38100" dir="2700000" algn="tl">
+                    <a:srgbClr val="C0C0C0"/>
+                  </a:outerShdw>
+                </a:effectLst>
+                <a:latin typeface="Century Gothic" pitchFamily="34" charset="0"/>
+                <a:ea typeface="ＭＳ Ｐゴシック" charset="0"/>
+                <a:cs typeface="ＭＳ Ｐゴシック" charset="0"/>
+              </a:defRPr>
+            </a:lvl5pPr>
+            <a:lvl6pPr marL="457200" algn="l" rtl="0" fontAlgn="base">
+              <a:spcBef>
+                <a:spcPct val="0"/>
+              </a:spcBef>
+              <a:spcAft>
+                <a:spcPct val="0"/>
+              </a:spcAft>
+              <a:defRPr sz="3600" b="1">
+                <a:solidFill>
+                  <a:srgbClr val="0A3250"/>
+                </a:solidFill>
+                <a:effectLst>
+                  <a:outerShdw blurRad="38100" dist="38100" dir="2700000" algn="tl">
+                    <a:srgbClr val="C0C0C0"/>
+                  </a:outerShdw>
+                </a:effectLst>
+                <a:latin typeface="Century Gothic" pitchFamily="34" charset="0"/>
+              </a:defRPr>
+            </a:lvl6pPr>
+            <a:lvl7pPr marL="914400" algn="l" rtl="0" fontAlgn="base">
+              <a:spcBef>
+                <a:spcPct val="0"/>
+              </a:spcBef>
+              <a:spcAft>
+                <a:spcPct val="0"/>
+              </a:spcAft>
+              <a:defRPr sz="3600" b="1">
+                <a:solidFill>
+                  <a:srgbClr val="0A3250"/>
+                </a:solidFill>
+                <a:effectLst>
+                  <a:outerShdw blurRad="38100" dist="38100" dir="2700000" algn="tl">
+                    <a:srgbClr val="C0C0C0"/>
+                  </a:outerShdw>
+                </a:effectLst>
+                <a:latin typeface="Century Gothic" pitchFamily="34" charset="0"/>
+              </a:defRPr>
+            </a:lvl7pPr>
+            <a:lvl8pPr marL="1371600" algn="l" rtl="0" fontAlgn="base">
+              <a:spcBef>
+                <a:spcPct val="0"/>
+              </a:spcBef>
+              <a:spcAft>
+                <a:spcPct val="0"/>
+              </a:spcAft>
+              <a:defRPr sz="3600" b="1">
+                <a:solidFill>
+                  <a:srgbClr val="0A3250"/>
+                </a:solidFill>
+                <a:effectLst>
+                  <a:outerShdw blurRad="38100" dist="38100" dir="2700000" algn="tl">
+                    <a:srgbClr val="C0C0C0"/>
+                  </a:outerShdw>
+                </a:effectLst>
+                <a:latin typeface="Century Gothic" pitchFamily="34" charset="0"/>
+              </a:defRPr>
+            </a:lvl8pPr>
+            <a:lvl9pPr marL="1828800" algn="l" rtl="0" fontAlgn="base">
+              <a:spcBef>
+                <a:spcPct val="0"/>
+              </a:spcBef>
+              <a:spcAft>
+                <a:spcPct val="0"/>
+              </a:spcAft>
+              <a:defRPr sz="3600" b="1">
+                <a:solidFill>
+                  <a:srgbClr val="0A3250"/>
+                </a:solidFill>
+                <a:effectLst>
+                  <a:outerShdw blurRad="38100" dist="38100" dir="2700000" algn="tl">
+                    <a:srgbClr val="C0C0C0"/>
+                  </a:outerShdw>
+                </a:effectLst>
+                <a:latin typeface="Century Gothic" pitchFamily="34" charset="0"/>
+              </a:defRPr>
+            </a:lvl9pPr>
+          </a:lstStyle>
+          <a:p>
+            <a:pPr algn="ctr">
+              <a:defRPr/>
+            </a:pPr>
+            <a:r>
+              <a:rPr lang="fr-FR" sz="1400" b="0" i="1" kern="0" dirty="0">
+                <a:solidFill>
+                  <a:schemeClr val="bg1">
+                    <a:lumMod val="50000"/>
+                  </a:schemeClr>
+                </a:solidFill>
+                <a:effectLst/>
+              </a:rPr>
+              <a:t>Données recueillies par l’association CGE</a:t>
+            </a:r>
+            <a:br>
+              <a:rPr lang="fr-FR" sz="1400" b="0" i="1" kern="0" dirty="0">
+                <a:solidFill>
+                  <a:schemeClr val="bg1">
+                    <a:lumMod val="50000"/>
+                  </a:schemeClr>
+                </a:solidFill>
+                <a:effectLst/>
+              </a:rPr>
+            </a:br>
+            <a:r>
+              <a:rPr lang="fr-FR" sz="1400" b="0" i="1" kern="0" dirty="0">
+                <a:solidFill>
+                  <a:schemeClr val="bg1">
+                    <a:lumMod val="50000"/>
+                  </a:schemeClr>
+                </a:solidFill>
+                <a:effectLst/>
+              </a:rPr>
+              <a:t>et compilées par </a:t>
+            </a:r>
+            <a:r>
+              <a:rPr lang="fr-FR" sz="1400" i="1" kern="0" dirty="0">
+                <a:solidFill>
+                  <a:schemeClr val="bg1">
+                    <a:lumMod val="50000"/>
+                  </a:schemeClr>
+                </a:solidFill>
+                <a:effectLst/>
+              </a:rPr>
+              <a:t>Julien VILLEMEJANE</a:t>
+            </a:r>
+          </a:p>
+        </p:txBody>
+      </p:sp>
+      <p:pic>
+        <p:nvPicPr>
+          <p:cNvPr id="6" name="Picture 2" descr="upright=Article à illustrer Organisation">
+            <a:extLst>
+              <a:ext uri="{FF2B5EF4-FFF2-40B4-BE49-F238E27FC236}">
+                <a16:creationId xmlns:a16="http://schemas.microsoft.com/office/drawing/2014/main" id="{6F6899A9-0D72-4C3B-73D5-188C847C122E}"/>
+              </a:ext>
+            </a:extLst>
+          </p:cNvPr>
+          <p:cNvPicPr>
+            <a:picLocks noChangeAspect="1" noChangeArrowheads="1"/>
+          </p:cNvPicPr>
+          <p:nvPr/>
+        </p:nvPicPr>
+        <p:blipFill>
+          <a:blip r:embed="rId2">
+            <a:extLst>
+              <a:ext uri="{28A0092B-C50C-407E-A947-70E740481C1C}">
+                <a14:useLocalDpi xmlns:a14="http://schemas.microsoft.com/office/drawing/2010/main" val="0"/>
+              </a:ext>
+            </a:extLst>
+          </a:blip>
+          <a:srcRect/>
+          <a:stretch>
+            <a:fillRect/>
+          </a:stretch>
+        </p:blipFill>
+        <p:spPr bwMode="auto">
+          <a:xfrm>
+            <a:off x="9062424" y="332656"/>
+            <a:ext cx="2095500" cy="695325"/>
+          </a:xfrm>
+          <a:prstGeom prst="rect">
+            <a:avLst/>
+          </a:prstGeom>
+          <a:noFill/>
+          <a:ln>
+            <a:noFill/>
+          </a:ln>
+          <a:extLst>
+            <a:ext uri="{909E8E84-426E-40DD-AFC4-6F175D3DCCD1}">
+              <a14:hiddenFill xmlns:a14="http://schemas.microsoft.com/office/drawing/2010/main">
+                <a:solidFill>
+                  <a:srgbClr val="FFFFFF"/>
+                </a:solidFill>
+              </a14:hiddenFill>
+            </a:ext>
+            <a:ext uri="{91240B29-F687-4F45-9708-019B960494DF}">
+              <a14:hiddenLine xmlns:a14="http://schemas.microsoft.com/office/drawing/2010/main" w="9525">
+                <a:solidFill>
+                  <a:srgbClr val="000000"/>
+                </a:solidFill>
+                <a:miter lim="800000"/>
+                <a:headEnd/>
+                <a:tailEnd/>
+              </a14:hiddenLine>
+            </a:ext>
+          </a:extLst>
+        </p:spPr>
+      </p:pic>
+    </p:spTree>
+    <p:extLst>
+      <p:ext uri="{BB962C8B-B14F-4D97-AF65-F5344CB8AC3E}">
+        <p14:creationId xmlns:p14="http://schemas.microsoft.com/office/powerpoint/2010/main" val="2160558345"/>
+      </p:ext>
+    </p:extLst>
+  </p:cSld>
+  <p:clrMapOvr>
+    <a:masterClrMapping/>
+  </p:clrMapOvr>
+</p:sld>
+</file>
+
+<file path=ppt/slides/slide3.xml><?xml version="1.0" encoding="utf-8"?>
+<p:sld xmlns:a="http://schemas.openxmlformats.org/drawingml/2006/main" xmlns:r="http://schemas.openxmlformats.org/officeDocument/2006/relationships" xmlns:p="http://schemas.openxmlformats.org/presentationml/2006/main">
+  <p:cSld>
+    <p:spTree>
+      <p:nvGrpSpPr>
+        <p:cNvPr id="1" name=""/>
+        <p:cNvGrpSpPr/>
+        <p:nvPr/>
+      </p:nvGrpSpPr>
+      <p:grpSpPr>
+        <a:xfrm>
+          <a:off x="0" y="0"/>
+          <a:ext cx="0" cy="0"/>
+          <a:chOff x="0" y="0"/>
+          <a:chExt cx="0" cy="0"/>
+        </a:xfrm>
+      </p:grpSpPr>
+      <p:sp>
+        <p:nvSpPr>
           <p:cNvPr id="12" name="Rectangle : coins arrondis 11">
             <a:extLst>
               <a:ext uri="{FF2B5EF4-FFF2-40B4-BE49-F238E27FC236}">
@@ -8409,7 +11251,7 @@
             <a:fld id="{883C3D88-8D27-E04A-93A4-C5B7506FCE43}" type="slidenum">
               <a:rPr lang="fr-FR" smtClean="0"/>
               <a:pPr/>
-              <a:t>2</a:t>
+              <a:t>3</a:t>
             </a:fld>
             <a:endParaRPr lang="fr-FR"/>
           </a:p>
@@ -9463,7 +12305,7 @@
 </p:sld>
 </file>
 
-<file path=ppt/slides/slide3.xml><?xml version="1.0" encoding="utf-8"?>
+<file path=ppt/slides/slide4.xml><?xml version="1.0" encoding="utf-8"?>
 <p:sld xmlns:a="http://schemas.openxmlformats.org/drawingml/2006/main" xmlns:r="http://schemas.openxmlformats.org/officeDocument/2006/relationships" xmlns:p="http://schemas.openxmlformats.org/presentationml/2006/main">
   <p:cSld>
     <p:spTree>
@@ -11088,7 +13930,7 @@
         <p:spPr>
           <a:xfrm>
             <a:off x="9329998" y="4267454"/>
-            <a:ext cx="1370470" cy="307777"/>
+            <a:ext cx="1370470" cy="276999"/>
           </a:xfrm>
           <a:prstGeom prst="rect">
             <a:avLst/>
@@ -11103,7 +13945,7 @@
           <a:p>
             <a:pPr algn="ctr"/>
             <a:r>
-              <a:rPr lang="fr-FR" sz="1400" dirty="0">
+              <a:rPr lang="fr-FR" sz="1200" dirty="0">
                 <a:solidFill>
                   <a:srgbClr val="00B0F0"/>
                 </a:solidFill>
@@ -11170,7 +14012,7 @@
         <p:spPr>
           <a:xfrm>
             <a:off x="9329998" y="6312196"/>
-            <a:ext cx="1370470" cy="307777"/>
+            <a:ext cx="1370470" cy="276999"/>
           </a:xfrm>
           <a:prstGeom prst="rect">
             <a:avLst/>
@@ -11185,7 +14027,7 @@
           <a:p>
             <a:pPr algn="ctr"/>
             <a:r>
-              <a:rPr lang="fr-FR" sz="1400" dirty="0">
+              <a:rPr lang="fr-FR" sz="1200" dirty="0">
                 <a:solidFill>
                   <a:srgbClr val="00B0F0"/>
                 </a:solidFill>
@@ -11210,8 +14052,8 @@
         </p:nvSpPr>
         <p:spPr>
           <a:xfrm>
-            <a:off x="9617842" y="4628925"/>
-            <a:ext cx="1370470" cy="338554"/>
+            <a:off x="9497730" y="4701854"/>
+            <a:ext cx="1370470" cy="307777"/>
           </a:xfrm>
           <a:prstGeom prst="rect">
             <a:avLst/>
@@ -11226,7 +14068,7 @@
           <a:p>
             <a:pPr algn="ctr"/>
             <a:r>
-              <a:rPr lang="fr-FR" b="1" dirty="0">
+              <a:rPr lang="fr-FR" sz="1400" b="1" dirty="0">
                 <a:solidFill>
                   <a:srgbClr val="00B0F0"/>
                 </a:solidFill>
@@ -11679,7 +14521,7 @@
         <p:spPr>
           <a:xfrm>
             <a:off x="3762219" y="4043990"/>
-            <a:ext cx="1841319" cy="276999"/>
+            <a:ext cx="1841319" cy="261610"/>
           </a:xfrm>
           <a:prstGeom prst="rect">
             <a:avLst/>
@@ -11694,7 +14536,7 @@
           <a:p>
             <a:pPr algn="ctr"/>
             <a:r>
-              <a:rPr lang="fr-FR" sz="1200" dirty="0">
+              <a:rPr lang="fr-FR" sz="1100" dirty="0">
                 <a:solidFill>
                   <a:srgbClr val="7030A0"/>
                 </a:solidFill>
@@ -11832,7 +14674,7 @@
 </p:sld>
 </file>
 
-<file path=ppt/slides/slide4.xml><?xml version="1.0" encoding="utf-8"?>
+<file path=ppt/slides/slide5.xml><?xml version="1.0" encoding="utf-8"?>
 <p:sld xmlns:a="http://schemas.openxmlformats.org/drawingml/2006/main" xmlns:r="http://schemas.openxmlformats.org/officeDocument/2006/relationships" xmlns:p="http://schemas.openxmlformats.org/presentationml/2006/main">
   <p:cSld>
     <p:spTree>
@@ -13528,7 +16370,7 @@
 </p:sld>
 </file>
 
-<file path=ppt/slides/slide5.xml><?xml version="1.0" encoding="utf-8"?>
+<file path=ppt/slides/slide6.xml><?xml version="1.0" encoding="utf-8"?>
 <p:sld xmlns:a="http://schemas.openxmlformats.org/drawingml/2006/main" xmlns:r="http://schemas.openxmlformats.org/officeDocument/2006/relationships" xmlns:p="http://schemas.openxmlformats.org/presentationml/2006/main">
   <p:cSld>
     <p:spTree>
@@ -14253,7 +17095,7 @@
 </p:sld>
 </file>
 
-<file path=ppt/slides/slide6.xml><?xml version="1.0" encoding="utf-8"?>
+<file path=ppt/slides/slide7.xml><?xml version="1.0" encoding="utf-8"?>
 <p:sld xmlns:a="http://schemas.openxmlformats.org/drawingml/2006/main" xmlns:r="http://schemas.openxmlformats.org/officeDocument/2006/relationships" xmlns:p="http://schemas.openxmlformats.org/presentationml/2006/main">
   <p:cSld>
     <p:spTree>
@@ -17545,7 +20387,7 @@
 </p:sld>
 </file>
 
-<file path=ppt/slides/slide7.xml><?xml version="1.0" encoding="utf-8"?>
+<file path=ppt/slides/slide8.xml><?xml version="1.0" encoding="utf-8"?>
 <p:sld xmlns:a="http://schemas.openxmlformats.org/drawingml/2006/main" xmlns:r="http://schemas.openxmlformats.org/officeDocument/2006/relationships" xmlns:p="http://schemas.openxmlformats.org/presentationml/2006/main">
   <p:cSld>
     <p:spTree>
@@ -22397,7 +25239,7 @@
 </p:sld>
 </file>
 
-<file path=ppt/slides/slide8.xml><?xml version="1.0" encoding="utf-8"?>
+<file path=ppt/slides/slide9.xml><?xml version="1.0" encoding="utf-8"?>
 <p:sld xmlns:a="http://schemas.openxmlformats.org/drawingml/2006/main" xmlns:r="http://schemas.openxmlformats.org/officeDocument/2006/relationships" xmlns:p="http://schemas.openxmlformats.org/presentationml/2006/main">
   <p:cSld>
     <p:spTree>
@@ -28221,665 +31063,6 @@
     <p:extLst>
       <p:ext uri="{BB962C8B-B14F-4D97-AF65-F5344CB8AC3E}">
         <p14:creationId xmlns:p14="http://schemas.microsoft.com/office/powerpoint/2010/main" val="563002252"/>
-      </p:ext>
-    </p:extLst>
-  </p:cSld>
-  <p:clrMapOvr>
-    <a:masterClrMapping/>
-  </p:clrMapOvr>
-</p:sld>
-</file>
-
-<file path=ppt/slides/slide9.xml><?xml version="1.0" encoding="utf-8"?>
-<p:sld xmlns:a="http://schemas.openxmlformats.org/drawingml/2006/main" xmlns:r="http://schemas.openxmlformats.org/officeDocument/2006/relationships" xmlns:p="http://schemas.openxmlformats.org/presentationml/2006/main">
-  <p:cSld>
-    <p:spTree>
-      <p:nvGrpSpPr>
-        <p:cNvPr id="1" name="">
-          <a:extLst>
-            <a:ext uri="{FF2B5EF4-FFF2-40B4-BE49-F238E27FC236}">
-              <a16:creationId xmlns:a16="http://schemas.microsoft.com/office/drawing/2014/main" id="{4C17D259-DEF4-4F6D-37F9-78EC3F4566FA}"/>
-            </a:ext>
-          </a:extLst>
-        </p:cNvPr>
-        <p:cNvGrpSpPr/>
-        <p:nvPr/>
-      </p:nvGrpSpPr>
-      <p:grpSpPr>
-        <a:xfrm>
-          <a:off x="0" y="0"/>
-          <a:ext cx="0" cy="0"/>
-          <a:chOff x="0" y="0"/>
-          <a:chExt cx="0" cy="0"/>
-        </a:xfrm>
-      </p:grpSpPr>
-      <p:sp>
-        <p:nvSpPr>
-          <p:cNvPr id="24" name="ZoneTexte 23">
-            <a:extLst>
-              <a:ext uri="{FF2B5EF4-FFF2-40B4-BE49-F238E27FC236}">
-                <a16:creationId xmlns:a16="http://schemas.microsoft.com/office/drawing/2014/main" id="{4AA88023-1C63-BFAF-5785-2EC404053A86}"/>
-              </a:ext>
-            </a:extLst>
-          </p:cNvPr>
-          <p:cNvSpPr txBox="1"/>
-          <p:nvPr/>
-        </p:nvSpPr>
-        <p:spPr>
-          <a:xfrm>
-            <a:off x="892411" y="3501262"/>
-            <a:ext cx="1051891" cy="400110"/>
-          </a:xfrm>
-          <a:prstGeom prst="rect">
-            <a:avLst/>
-          </a:prstGeom>
-          <a:noFill/>
-        </p:spPr>
-        <p:txBody>
-          <a:bodyPr wrap="none" rtlCol="0">
-            <a:spAutoFit/>
-          </a:bodyPr>
-          <a:lstStyle/>
-          <a:p>
-            <a:pPr algn="ctr"/>
-            <a:r>
-              <a:rPr lang="fr-FR" sz="2000" dirty="0">
-                <a:solidFill>
-                  <a:srgbClr val="00B0F0"/>
-                </a:solidFill>
-                <a:latin typeface="Raleway" pitchFamily="2" charset="0"/>
-              </a:rPr>
-              <a:t>DIFFUSE</a:t>
-            </a:r>
-          </a:p>
-        </p:txBody>
-      </p:sp>
-      <p:sp>
-        <p:nvSpPr>
-          <p:cNvPr id="2" name="Titre 1">
-            <a:extLst>
-              <a:ext uri="{FF2B5EF4-FFF2-40B4-BE49-F238E27FC236}">
-                <a16:creationId xmlns:a16="http://schemas.microsoft.com/office/drawing/2014/main" id="{F3765E78-03E6-2F45-0528-11A84EF9464B}"/>
-              </a:ext>
-            </a:extLst>
-          </p:cNvPr>
-          <p:cNvSpPr>
-            <a:spLocks noGrp="1"/>
-          </p:cNvSpPr>
-          <p:nvPr>
-            <p:ph type="title"/>
-          </p:nvPr>
-        </p:nvSpPr>
-        <p:spPr/>
-        <p:txBody>
-          <a:bodyPr/>
-          <a:lstStyle/>
-          <a:p>
-            <a:r>
-              <a:rPr lang="fr-FR" dirty="0"/>
-              <a:t>Enquête CGE / Evolution</a:t>
-            </a:r>
-          </a:p>
-        </p:txBody>
-      </p:sp>
-      <p:sp>
-        <p:nvSpPr>
-          <p:cNvPr id="9" name="ZoneTexte 8">
-            <a:extLst>
-              <a:ext uri="{FF2B5EF4-FFF2-40B4-BE49-F238E27FC236}">
-                <a16:creationId xmlns:a16="http://schemas.microsoft.com/office/drawing/2014/main" id="{F48F18DB-7E0E-A4C5-E5CC-F699A15116F4}"/>
-              </a:ext>
-            </a:extLst>
-          </p:cNvPr>
-          <p:cNvSpPr txBox="1"/>
-          <p:nvPr/>
-        </p:nvSpPr>
-        <p:spPr>
-          <a:xfrm>
-            <a:off x="767408" y="4093622"/>
-            <a:ext cx="1225753" cy="415498"/>
-          </a:xfrm>
-          <a:prstGeom prst="rect">
-            <a:avLst/>
-          </a:prstGeom>
-          <a:noFill/>
-        </p:spPr>
-        <p:txBody>
-          <a:bodyPr wrap="square">
-            <a:spAutoFit/>
-          </a:bodyPr>
-          <a:lstStyle/>
-          <a:p>
-            <a:pPr algn="ctr"/>
-            <a:r>
-              <a:rPr lang="fr-FR" sz="1050" dirty="0">
-                <a:solidFill>
-                  <a:srgbClr val="0070C0"/>
-                </a:solidFill>
-                <a:latin typeface="Raleway" pitchFamily="2" charset="0"/>
-              </a:rPr>
-              <a:t>~ 400 réponses </a:t>
-            </a:r>
-            <a:br>
-              <a:rPr lang="fr-FR" sz="1050" dirty="0">
-                <a:solidFill>
-                  <a:srgbClr val="0070C0"/>
-                </a:solidFill>
-                <a:latin typeface="Raleway" pitchFamily="2" charset="0"/>
-              </a:rPr>
-            </a:br>
-            <a:r>
-              <a:rPr lang="fr-FR" sz="1050" dirty="0">
-                <a:solidFill>
-                  <a:srgbClr val="0070C0"/>
-                </a:solidFill>
-                <a:latin typeface="Raleway" pitchFamily="2" charset="0"/>
-              </a:rPr>
-              <a:t>x 200 colonnes</a:t>
-            </a:r>
-          </a:p>
-        </p:txBody>
-      </p:sp>
-      <p:pic>
-        <p:nvPicPr>
-          <p:cNvPr id="25" name="Image 24">
-            <a:extLst>
-              <a:ext uri="{FF2B5EF4-FFF2-40B4-BE49-F238E27FC236}">
-                <a16:creationId xmlns:a16="http://schemas.microsoft.com/office/drawing/2014/main" id="{3BD74361-008A-BA2B-403E-BB985AB4ED85}"/>
-              </a:ext>
-            </a:extLst>
-          </p:cNvPr>
-          <p:cNvPicPr>
-            <a:picLocks noChangeAspect="1"/>
-          </p:cNvPicPr>
-          <p:nvPr/>
-        </p:nvPicPr>
-        <p:blipFill>
-          <a:blip r:embed="rId2"/>
-          <a:stretch>
-            <a:fillRect/>
-          </a:stretch>
-        </p:blipFill>
-        <p:spPr>
-          <a:xfrm>
-            <a:off x="994350" y="2293422"/>
-            <a:ext cx="649730" cy="653422"/>
-          </a:xfrm>
-          <a:prstGeom prst="rect">
-            <a:avLst/>
-          </a:prstGeom>
-        </p:spPr>
-      </p:pic>
-      <p:pic>
-        <p:nvPicPr>
-          <p:cNvPr id="26" name="Image 25">
-            <a:extLst>
-              <a:ext uri="{FF2B5EF4-FFF2-40B4-BE49-F238E27FC236}">
-                <a16:creationId xmlns:a16="http://schemas.microsoft.com/office/drawing/2014/main" id="{FF7D3689-87A3-3727-A109-49D54648E20D}"/>
-              </a:ext>
-            </a:extLst>
-          </p:cNvPr>
-          <p:cNvPicPr>
-            <a:picLocks noChangeAspect="1"/>
-          </p:cNvPicPr>
-          <p:nvPr/>
-        </p:nvPicPr>
-        <p:blipFill>
-          <a:blip r:embed="rId3"/>
-          <a:stretch>
-            <a:fillRect/>
-          </a:stretch>
-        </p:blipFill>
-        <p:spPr>
-          <a:xfrm>
-            <a:off x="1566847" y="2919473"/>
-            <a:ext cx="377455" cy="374904"/>
-          </a:xfrm>
-          <a:prstGeom prst="rect">
-            <a:avLst/>
-          </a:prstGeom>
-        </p:spPr>
-      </p:pic>
-      <p:pic>
-        <p:nvPicPr>
-          <p:cNvPr id="27" name="Image 26">
-            <a:extLst>
-              <a:ext uri="{FF2B5EF4-FFF2-40B4-BE49-F238E27FC236}">
-                <a16:creationId xmlns:a16="http://schemas.microsoft.com/office/drawing/2014/main" id="{8DEAA889-DCB4-4D32-6F71-486D1D2674B2}"/>
-              </a:ext>
-            </a:extLst>
-          </p:cNvPr>
-          <p:cNvPicPr>
-            <a:picLocks noChangeAspect="1"/>
-          </p:cNvPicPr>
-          <p:nvPr/>
-        </p:nvPicPr>
-        <p:blipFill>
-          <a:blip r:embed="rId4"/>
-          <a:stretch>
-            <a:fillRect/>
-          </a:stretch>
-        </p:blipFill>
-        <p:spPr>
-          <a:xfrm>
-            <a:off x="943294" y="3046841"/>
-            <a:ext cx="338555" cy="295726"/>
-          </a:xfrm>
-          <a:prstGeom prst="rect">
-            <a:avLst/>
-          </a:prstGeom>
-        </p:spPr>
-      </p:pic>
-      <p:sp>
-        <p:nvSpPr>
-          <p:cNvPr id="30" name="Corde 29">
-            <a:extLst>
-              <a:ext uri="{FF2B5EF4-FFF2-40B4-BE49-F238E27FC236}">
-                <a16:creationId xmlns:a16="http://schemas.microsoft.com/office/drawing/2014/main" id="{51885DE8-0FEC-4CC5-C64F-7369F4AE6B2D}"/>
-              </a:ext>
-            </a:extLst>
-          </p:cNvPr>
-          <p:cNvSpPr/>
-          <p:nvPr/>
-        </p:nvSpPr>
-        <p:spPr bwMode="auto">
-          <a:xfrm>
-            <a:off x="963640" y="4869160"/>
-            <a:ext cx="813816" cy="530352"/>
-          </a:xfrm>
-          <a:prstGeom prst="chord">
-            <a:avLst>
-              <a:gd name="adj1" fmla="val 14391929"/>
-              <a:gd name="adj2" fmla="val 11228208"/>
-            </a:avLst>
-          </a:prstGeom>
-          <a:solidFill>
-            <a:srgbClr val="FF960A"/>
-          </a:solidFill>
-          <a:ln>
-            <a:headEnd type="none" w="med" len="med"/>
-            <a:tailEnd type="none" w="med" len="med"/>
-          </a:ln>
-          <a:effectLst/>
-          <a:extLst>
-            <a:ext uri="{AF507438-7753-43e0-B8FC-AC1667EBCBE1}">
-              <a14:hiddenEffects xmlns:a14="http://schemas.microsoft.com/office/drawing/2010/main" xmlns="">
-                <a:effectLst>
-                  <a:outerShdw dist="35921" dir="2700000" algn="ctr" rotWithShape="0">
-                    <a:schemeClr val="bg2"/>
-                  </a:outerShdw>
-                </a:effectLst>
-              </a14:hiddenEffects>
-            </a:ext>
-          </a:extLst>
-        </p:spPr>
-        <p:style>
-          <a:lnRef idx="0">
-            <a:schemeClr val="accent1"/>
-          </a:lnRef>
-          <a:fillRef idx="3">
-            <a:schemeClr val="accent1"/>
-          </a:fillRef>
-          <a:effectRef idx="3">
-            <a:schemeClr val="accent1"/>
-          </a:effectRef>
-          <a:fontRef idx="minor">
-            <a:schemeClr val="lt1"/>
-          </a:fontRef>
-        </p:style>
-        <p:txBody>
-          <a:bodyPr vert="horz" wrap="square" lIns="91440" tIns="45720" rIns="91440" bIns="45720" numCol="1" rtlCol="0" anchor="ctr" anchorCtr="0" compatLnSpc="1">
-            <a:prstTxWarp prst="textNoShape">
-              <a:avLst/>
-            </a:prstTxWarp>
-          </a:bodyPr>
-          <a:lstStyle/>
-          <a:p>
-            <a:pPr marL="0" marR="0" indent="0" algn="ctr" defTabSz="914400" rtl="0" eaLnBrk="0" fontAlgn="base" latinLnBrk="0" hangingPunct="0">
-              <a:lnSpc>
-                <a:spcPct val="100000"/>
-              </a:lnSpc>
-              <a:spcBef>
-                <a:spcPct val="0"/>
-              </a:spcBef>
-              <a:spcAft>
-                <a:spcPct val="0"/>
-              </a:spcAft>
-              <a:buClrTx/>
-              <a:buSzTx/>
-              <a:buFontTx/>
-              <a:buNone/>
-              <a:tabLst/>
-            </a:pPr>
-            <a:r>
-              <a:rPr kumimoji="0" lang="fr-FR" sz="900" b="1" i="0" u="none" strike="noStrike" cap="none" normalizeH="0" baseline="0" dirty="0">
-                <a:ln>
-                  <a:noFill/>
-                </a:ln>
-                <a:solidFill>
-                  <a:schemeClr val="tx1"/>
-                </a:solidFill>
-                <a:effectLst/>
-                <a:latin typeface="Arial" charset="0"/>
-                <a:ea typeface="ＭＳ Ｐゴシック" pitchFamily="1" charset="-128"/>
-              </a:rPr>
-              <a:t>IOGS</a:t>
-            </a:r>
-            <a:br>
-              <a:rPr kumimoji="0" lang="fr-FR" sz="900" b="1" i="0" u="none" strike="noStrike" cap="none" normalizeH="0" baseline="0" dirty="0">
-                <a:ln>
-                  <a:noFill/>
-                </a:ln>
-                <a:solidFill>
-                  <a:schemeClr val="tx1"/>
-                </a:solidFill>
-                <a:effectLst/>
-                <a:latin typeface="Arial" charset="0"/>
-                <a:ea typeface="ＭＳ Ｐゴシック" pitchFamily="1" charset="-128"/>
-              </a:rPr>
-            </a:br>
-            <a:r>
-              <a:rPr kumimoji="0" lang="fr-FR" sz="900" b="1" i="0" u="none" strike="noStrike" cap="none" normalizeH="0" baseline="0" dirty="0">
-                <a:ln>
-                  <a:noFill/>
-                </a:ln>
-                <a:solidFill>
-                  <a:schemeClr val="tx1"/>
-                </a:solidFill>
-                <a:effectLst/>
-                <a:latin typeface="Arial" charset="0"/>
-                <a:ea typeface="ＭＳ Ｐゴシック" pitchFamily="1" charset="-128"/>
-              </a:rPr>
-              <a:t>2023</a:t>
-            </a:r>
-          </a:p>
-        </p:txBody>
-      </p:sp>
-      <p:sp>
-        <p:nvSpPr>
-          <p:cNvPr id="38" name="ZoneTexte 37">
-            <a:extLst>
-              <a:ext uri="{FF2B5EF4-FFF2-40B4-BE49-F238E27FC236}">
-                <a16:creationId xmlns:a16="http://schemas.microsoft.com/office/drawing/2014/main" id="{A4C14CCD-0887-A00C-B9B1-E9A1A710CE88}"/>
-              </a:ext>
-            </a:extLst>
-          </p:cNvPr>
-          <p:cNvSpPr txBox="1"/>
-          <p:nvPr/>
-        </p:nvSpPr>
-        <p:spPr>
-          <a:xfrm>
-            <a:off x="784834" y="5451429"/>
-            <a:ext cx="1171428" cy="261610"/>
-          </a:xfrm>
-          <a:prstGeom prst="rect">
-            <a:avLst/>
-          </a:prstGeom>
-          <a:noFill/>
-        </p:spPr>
-        <p:txBody>
-          <a:bodyPr wrap="square">
-            <a:spAutoFit/>
-          </a:bodyPr>
-          <a:lstStyle/>
-          <a:p>
-            <a:pPr algn="ctr"/>
-            <a:r>
-              <a:rPr lang="fr-FR" sz="1100" dirty="0">
-                <a:solidFill>
-                  <a:srgbClr val="333333"/>
-                </a:solidFill>
-                <a:latin typeface="Calibri" panose="020F0502020204030204" pitchFamily="34" charset="0"/>
-              </a:rPr>
-              <a:t>80 réponses</a:t>
-            </a:r>
-            <a:endParaRPr lang="fr-FR" sz="1100" dirty="0"/>
-          </a:p>
-        </p:txBody>
-      </p:sp>
-      <p:sp>
-        <p:nvSpPr>
-          <p:cNvPr id="19" name="Corde 18">
-            <a:extLst>
-              <a:ext uri="{FF2B5EF4-FFF2-40B4-BE49-F238E27FC236}">
-                <a16:creationId xmlns:a16="http://schemas.microsoft.com/office/drawing/2014/main" id="{419E3249-5504-3F1D-B957-1166AB0A024C}"/>
-              </a:ext>
-            </a:extLst>
-          </p:cNvPr>
-          <p:cNvSpPr/>
-          <p:nvPr/>
-        </p:nvSpPr>
-        <p:spPr bwMode="auto">
-          <a:xfrm>
-            <a:off x="963640" y="5812035"/>
-            <a:ext cx="813816" cy="530352"/>
-          </a:xfrm>
-          <a:prstGeom prst="chord">
-            <a:avLst>
-              <a:gd name="adj1" fmla="val 21444387"/>
-              <a:gd name="adj2" fmla="val 18022748"/>
-            </a:avLst>
-          </a:prstGeom>
-          <a:solidFill>
-            <a:srgbClr val="222268"/>
-          </a:solidFill>
-          <a:ln>
-            <a:headEnd type="none" w="med" len="med"/>
-            <a:tailEnd type="none" w="med" len="med"/>
-          </a:ln>
-          <a:effectLst/>
-          <a:extLst>
-            <a:ext uri="{AF507438-7753-43e0-B8FC-AC1667EBCBE1}">
-              <a14:hiddenEffects xmlns:a14="http://schemas.microsoft.com/office/drawing/2010/main" xmlns="">
-                <a:effectLst>
-                  <a:outerShdw dist="35921" dir="2700000" algn="ctr" rotWithShape="0">
-                    <a:schemeClr val="bg2"/>
-                  </a:outerShdw>
-                </a:effectLst>
-              </a14:hiddenEffects>
-            </a:ext>
-          </a:extLst>
-        </p:spPr>
-        <p:style>
-          <a:lnRef idx="0">
-            <a:schemeClr val="accent1"/>
-          </a:lnRef>
-          <a:fillRef idx="3">
-            <a:schemeClr val="accent1"/>
-          </a:fillRef>
-          <a:effectRef idx="3">
-            <a:schemeClr val="accent1"/>
-          </a:effectRef>
-          <a:fontRef idx="minor">
-            <a:schemeClr val="lt1"/>
-          </a:fontRef>
-        </p:style>
-        <p:txBody>
-          <a:bodyPr vert="horz" wrap="square" lIns="91440" tIns="45720" rIns="91440" bIns="45720" numCol="1" rtlCol="0" anchor="ctr" anchorCtr="0" compatLnSpc="1">
-            <a:prstTxWarp prst="textNoShape">
-              <a:avLst/>
-            </a:prstTxWarp>
-          </a:bodyPr>
-          <a:lstStyle/>
-          <a:p>
-            <a:pPr marL="0" marR="0" indent="0" algn="ctr" defTabSz="914400" rtl="0" eaLnBrk="0" fontAlgn="base" latinLnBrk="0" hangingPunct="0">
-              <a:lnSpc>
-                <a:spcPct val="100000"/>
-              </a:lnSpc>
-              <a:spcBef>
-                <a:spcPct val="0"/>
-              </a:spcBef>
-              <a:spcAft>
-                <a:spcPct val="0"/>
-              </a:spcAft>
-              <a:buClrTx/>
-              <a:buSzTx/>
-              <a:buFontTx/>
-              <a:buNone/>
-              <a:tabLst/>
-            </a:pPr>
-            <a:r>
-              <a:rPr kumimoji="0" lang="fr-FR" sz="900" b="1" i="0" u="none" strike="noStrike" cap="none" normalizeH="0" baseline="0" dirty="0">
-                <a:ln>
-                  <a:noFill/>
-                </a:ln>
-                <a:solidFill>
-                  <a:schemeClr val="bg1"/>
-                </a:solidFill>
-                <a:effectLst/>
-                <a:latin typeface="Arial" charset="0"/>
-                <a:ea typeface="ＭＳ Ｐゴシック" pitchFamily="1" charset="-128"/>
-              </a:rPr>
-              <a:t>CGE</a:t>
-            </a:r>
-            <a:br>
-              <a:rPr kumimoji="0" lang="fr-FR" sz="900" b="1" i="0" u="none" strike="noStrike" cap="none" normalizeH="0" baseline="0" dirty="0">
-                <a:ln>
-                  <a:noFill/>
-                </a:ln>
-                <a:solidFill>
-                  <a:schemeClr val="bg1"/>
-                </a:solidFill>
-                <a:effectLst/>
-                <a:latin typeface="Arial" charset="0"/>
-                <a:ea typeface="ＭＳ Ｐゴシック" pitchFamily="1" charset="-128"/>
-              </a:rPr>
-            </a:br>
-            <a:r>
-              <a:rPr kumimoji="0" lang="fr-FR" sz="900" b="1" i="0" u="none" strike="noStrike" cap="none" normalizeH="0" baseline="0" dirty="0">
-                <a:ln>
-                  <a:noFill/>
-                </a:ln>
-                <a:solidFill>
-                  <a:schemeClr val="bg1"/>
-                </a:solidFill>
-                <a:effectLst/>
-                <a:latin typeface="Arial" charset="0"/>
-                <a:ea typeface="ＭＳ Ｐゴシック" pitchFamily="1" charset="-128"/>
-              </a:rPr>
-              <a:t>2023</a:t>
-            </a:r>
-          </a:p>
-        </p:txBody>
-      </p:sp>
-      <p:sp>
-        <p:nvSpPr>
-          <p:cNvPr id="20" name="ZoneTexte 19">
-            <a:extLst>
-              <a:ext uri="{FF2B5EF4-FFF2-40B4-BE49-F238E27FC236}">
-                <a16:creationId xmlns:a16="http://schemas.microsoft.com/office/drawing/2014/main" id="{0BFF1FBE-7C35-631D-10FA-E6B3B41A5A48}"/>
-              </a:ext>
-            </a:extLst>
-          </p:cNvPr>
-          <p:cNvSpPr txBox="1"/>
-          <p:nvPr/>
-        </p:nvSpPr>
-        <p:spPr>
-          <a:xfrm>
-            <a:off x="784834" y="6382472"/>
-            <a:ext cx="1171428" cy="246221"/>
-          </a:xfrm>
-          <a:prstGeom prst="rect">
-            <a:avLst/>
-          </a:prstGeom>
-          <a:noFill/>
-        </p:spPr>
-        <p:txBody>
-          <a:bodyPr wrap="square">
-            <a:spAutoFit/>
-          </a:bodyPr>
-          <a:lstStyle/>
-          <a:p>
-            <a:pPr algn="ctr"/>
-            <a:r>
-              <a:rPr lang="fr-FR" sz="1000" dirty="0">
-                <a:solidFill>
-                  <a:srgbClr val="333333"/>
-                </a:solidFill>
-                <a:latin typeface="Calibri" panose="020F0502020204030204" pitchFamily="34" charset="0"/>
-              </a:rPr>
-              <a:t>~ 40.000 réponses</a:t>
-            </a:r>
-            <a:endParaRPr lang="fr-FR" sz="1000" dirty="0"/>
-          </a:p>
-        </p:txBody>
-      </p:sp>
-      <p:pic>
-        <p:nvPicPr>
-          <p:cNvPr id="81" name="Image 80" descr="Une image contenant texte, capture d’écran, ligne, Tracé&#10;&#10;Description générée automatiquement">
-            <a:extLst>
-              <a:ext uri="{FF2B5EF4-FFF2-40B4-BE49-F238E27FC236}">
-                <a16:creationId xmlns:a16="http://schemas.microsoft.com/office/drawing/2014/main" id="{1FB27393-D7AD-372F-A2D0-D47590EE5A1D}"/>
-              </a:ext>
-            </a:extLst>
-          </p:cNvPr>
-          <p:cNvPicPr>
-            <a:picLocks noChangeAspect="1"/>
-          </p:cNvPicPr>
-          <p:nvPr/>
-        </p:nvPicPr>
-        <p:blipFill>
-          <a:blip r:embed="rId5">
-            <a:extLst>
-              <a:ext uri="{28A0092B-C50C-407E-A947-70E740481C1C}">
-                <a14:useLocalDpi xmlns:a14="http://schemas.microsoft.com/office/drawing/2010/main" val="0"/>
-              </a:ext>
-            </a:extLst>
-          </a:blip>
-          <a:stretch>
-            <a:fillRect/>
-          </a:stretch>
-        </p:blipFill>
-        <p:spPr>
-          <a:xfrm>
-            <a:off x="3130081" y="2814704"/>
-            <a:ext cx="4998741" cy="3471984"/>
-          </a:xfrm>
-          <a:prstGeom prst="rect">
-            <a:avLst/>
-          </a:prstGeom>
-        </p:spPr>
-      </p:pic>
-      <p:pic>
-        <p:nvPicPr>
-          <p:cNvPr id="82" name="Image 81" descr="Une image contenant texte, diagramme, capture d’écran, Rectangle&#10;&#10;Description générée automatiquement">
-            <a:extLst>
-              <a:ext uri="{FF2B5EF4-FFF2-40B4-BE49-F238E27FC236}">
-                <a16:creationId xmlns:a16="http://schemas.microsoft.com/office/drawing/2014/main" id="{9E19F2BE-1A15-8339-926A-9C6A61E2FB51}"/>
-              </a:ext>
-            </a:extLst>
-          </p:cNvPr>
-          <p:cNvPicPr>
-            <a:picLocks noChangeAspect="1"/>
-          </p:cNvPicPr>
-          <p:nvPr/>
-        </p:nvPicPr>
-        <p:blipFill>
-          <a:blip r:embed="rId6">
-            <a:extLst>
-              <a:ext uri="{28A0092B-C50C-407E-A947-70E740481C1C}">
-                <a14:useLocalDpi xmlns:a14="http://schemas.microsoft.com/office/drawing/2010/main" val="0"/>
-              </a:ext>
-            </a:extLst>
-          </a:blip>
-          <a:stretch>
-            <a:fillRect/>
-          </a:stretch>
-        </p:blipFill>
-        <p:spPr>
-          <a:xfrm>
-            <a:off x="7406737" y="1229522"/>
-            <a:ext cx="2714770" cy="2265871"/>
-          </a:xfrm>
-          <a:prstGeom prst="rect">
-            <a:avLst/>
-          </a:prstGeom>
-        </p:spPr>
-      </p:pic>
-    </p:spTree>
-    <p:extLst>
-      <p:ext uri="{BB962C8B-B14F-4D97-AF65-F5344CB8AC3E}">
-        <p14:creationId xmlns:p14="http://schemas.microsoft.com/office/powerpoint/2010/main" val="722748437"/>
       </p:ext>
     </p:extLst>
   </p:cSld>
